--- a/final-presentation-GTA8.pptx
+++ b/final-presentation-GTA8.pptx
@@ -5,17 +5,15 @@
     <p:sldMasterId id="2147483648" r:id="rId1"/>
   </p:sldMasterIdLst>
   <p:notesMasterIdLst>
-    <p:notesMasterId r:id="rId7"/>
+    <p:notesMasterId r:id="rId5"/>
   </p:notesMasterIdLst>
   <p:handoutMasterIdLst>
-    <p:handoutMasterId r:id="rId8"/>
+    <p:handoutMasterId r:id="rId6"/>
   </p:handoutMasterIdLst>
   <p:sldIdLst>
     <p:sldId id="256" r:id="rId2"/>
     <p:sldId id="257" r:id="rId3"/>
     <p:sldId id="259" r:id="rId4"/>
-    <p:sldId id="258" r:id="rId5"/>
-    <p:sldId id="260" r:id="rId6"/>
   </p:sldIdLst>
   <p:sldSz cx="12192000" cy="6858000"/>
   <p:notesSz cx="6858000" cy="9144000"/>
@@ -230,7 +228,7 @@
           <a:p>
             <a:fld id="{F68ABEA4-9216-4FDF-AAE1-D8632908A8EC}" type="datetimeFigureOut">
               <a:rPr lang="de-CH" smtClean="0"/>
-              <a:t>13.12.23</a:t>
+              <a:t>14.12.23</a:t>
             </a:fld>
             <a:endParaRPr lang="de-CH"/>
           </a:p>
@@ -407,7 +405,7 @@
           <a:p>
             <a:fld id="{4B78A90D-FE7E-41AF-B03D-808D82937CB9}" type="datetimeFigureOut">
               <a:rPr lang="de-CH" smtClean="0"/>
-              <a:t>13.12.23</a:t>
+              <a:t>14.12.23</a:t>
             </a:fld>
             <a:endParaRPr lang="de-CH"/>
           </a:p>
@@ -1104,7 +1102,7 @@
           <a:p>
             <a:fld id="{529A5478-44C9-47A9-A50E-ACE4E396860E}" type="datetime1">
               <a:rPr lang="de-CH" altLang="zh-CN" noProof="0" smtClean="0"/>
-              <a:t>13.12.23</a:t>
+              <a:t>14.12.23</a:t>
             </a:fld>
             <a:endParaRPr lang="de-CH" noProof="0"/>
           </a:p>
@@ -1299,7 +1297,7 @@
           <a:p>
             <a:fld id="{8242212C-66F0-47FB-AD78-EDC595463110}" type="datetime1">
               <a:rPr lang="de-CH" altLang="zh-CN" noProof="0" smtClean="0"/>
-              <a:t>13.12.23</a:t>
+              <a:t>14.12.23</a:t>
             </a:fld>
             <a:endParaRPr lang="de-CH" noProof="0"/>
           </a:p>
@@ -1586,7 +1584,7 @@
           <a:p>
             <a:fld id="{AA60137E-CD38-47BC-81E0-5CAD45CC1AF1}" type="datetime1">
               <a:rPr lang="de-CH" altLang="zh-CN" noProof="0" smtClean="0"/>
-              <a:t>13.12.23</a:t>
+              <a:t>14.12.23</a:t>
             </a:fld>
             <a:endParaRPr lang="de-CH" noProof="0"/>
           </a:p>
@@ -1947,7 +1945,7 @@
           <a:p>
             <a:fld id="{A431FA2D-E68F-4F0F-A780-CFC47013B714}" type="datetime1">
               <a:rPr lang="de-CH" altLang="zh-CN" noProof="0" smtClean="0"/>
-              <a:t>13.12.23</a:t>
+              <a:t>14.12.23</a:t>
             </a:fld>
             <a:endParaRPr lang="de-CH" noProof="0"/>
           </a:p>
@@ -2269,7 +2267,7 @@
           <a:p>
             <a:fld id="{84A17A78-631F-4798-873C-E3BC87E12C19}" type="datetime1">
               <a:rPr lang="de-CH" altLang="zh-CN" noProof="0" smtClean="0"/>
-              <a:t>13.12.23</a:t>
+              <a:t>14.12.23</a:t>
             </a:fld>
             <a:endParaRPr lang="de-CH" noProof="0"/>
           </a:p>
@@ -2559,7 +2557,7 @@
           <a:p>
             <a:fld id="{1DE6F282-D61B-4B91-9E52-E22C27686736}" type="datetime1">
               <a:rPr lang="de-CH" altLang="zh-CN" noProof="0" smtClean="0"/>
-              <a:t>13.12.23</a:t>
+              <a:t>14.12.23</a:t>
             </a:fld>
             <a:endParaRPr lang="de-CH" noProof="0"/>
           </a:p>
@@ -2959,7 +2957,7 @@
           <a:p>
             <a:fld id="{1FE33DFF-66A8-4848-BDF5-B748963C3EA1}" type="datetime1">
               <a:rPr lang="de-CH" altLang="zh-CN" noProof="0" smtClean="0"/>
-              <a:t>13.12.23</a:t>
+              <a:t>14.12.23</a:t>
             </a:fld>
             <a:endParaRPr lang="de-CH" noProof="0"/>
           </a:p>
@@ -3327,7 +3325,7 @@
           <a:p>
             <a:fld id="{5C6AB5B1-E32A-44F1-810B-E5B22B667C23}" type="datetime1">
               <a:rPr lang="de-CH" altLang="zh-CN" noProof="0" smtClean="0"/>
-              <a:t>13.12.23</a:t>
+              <a:t>14.12.23</a:t>
             </a:fld>
             <a:endParaRPr lang="de-CH" noProof="0"/>
           </a:p>
@@ -5232,7 +5230,7 @@
           <a:p>
             <a:fld id="{71351BE9-D1B1-450C-9E09-0EFB736E9019}" type="datetime1">
               <a:rPr lang="de-CH" altLang="zh-CN" noProof="0" smtClean="0"/>
-              <a:t>13.12.23</a:t>
+              <a:t>14.12.23</a:t>
             </a:fld>
             <a:endParaRPr lang="de-CH" noProof="0"/>
           </a:p>
@@ -5475,7 +5473,7 @@
           <a:p>
             <a:fld id="{64B38C6C-E0AF-42C1-825A-E41D0C7D5453}" type="datetime1">
               <a:rPr lang="de-CH" altLang="zh-CN" noProof="0" smtClean="0"/>
-              <a:t>13.12.23</a:t>
+              <a:t>14.12.23</a:t>
             </a:fld>
             <a:endParaRPr lang="de-CH" noProof="0"/>
           </a:p>
@@ -5723,7 +5721,7 @@
           <a:p>
             <a:fld id="{6EFA91BA-40EA-48F2-AAA2-BB2A97EABA4B}" type="datetime1">
               <a:rPr lang="de-CH" altLang="zh-CN" noProof="0" smtClean="0"/>
-              <a:t>13.12.23</a:t>
+              <a:t>14.12.23</a:t>
             </a:fld>
             <a:endParaRPr lang="de-CH" noProof="0"/>
           </a:p>
@@ -5999,7 +5997,7 @@
           <a:p>
             <a:fld id="{1C509AF0-7793-4B69-A4D8-57B297D87DE3}" type="datetime1">
               <a:rPr lang="de-CH" altLang="zh-CN" noProof="0" smtClean="0"/>
-              <a:t>13.12.23</a:t>
+              <a:t>14.12.23</a:t>
             </a:fld>
             <a:endParaRPr lang="de-CH" noProof="0"/>
           </a:p>
@@ -7930,7 +7928,7 @@
           <a:p>
             <a:fld id="{9B0A27C7-4D4D-4A0D-ACD9-E72FFE4387D7}" type="datetime1">
               <a:rPr lang="de-CH" altLang="zh-CN" noProof="0" smtClean="0"/>
-              <a:t>13.12.23</a:t>
+              <a:t>14.12.23</a:t>
             </a:fld>
             <a:endParaRPr lang="de-CH" noProof="0"/>
           </a:p>
@@ -8426,7 +8424,9 @@
           </a:xfrm>
           <a:ln>
             <a:solidFill>
-              <a:schemeClr val="tx1"/>
+              <a:schemeClr val="bg1">
+                <a:lumMod val="85000"/>
+              </a:schemeClr>
             </a:solidFill>
           </a:ln>
         </p:spPr>
@@ -8660,10 +8660,9 @@
           <a:lstStyle/>
           <a:p>
             <a:r>
-              <a:rPr lang="de-CH" altLang="zh-CN" dirty="0"/>
-              <a:t>Introduction</a:t>
-            </a:r>
-            <a:endParaRPr lang="de-CH" dirty="0"/>
+              <a:rPr lang="de-CH" dirty="0"/>
+              <a:t>Story</a:t>
+            </a:r>
           </a:p>
         </p:txBody>
       </p:sp>
@@ -8684,7 +8683,7 @@
           <a:p>
             <a:fld id="{3BD06BEC-4893-404C-8A2C-279EE224BC79}" type="datetime1">
               <a:rPr lang="de-CH" altLang="zh-CN" noProof="0" smtClean="0"/>
-              <a:t>13.12.23</a:t>
+              <a:t>14.12.23</a:t>
             </a:fld>
             <a:endParaRPr lang="de-CH" noProof="0"/>
           </a:p>
@@ -8783,7 +8782,11 @@
           <a:p>
             <a:r>
               <a:rPr lang="de-CH" altLang="zh-CN" dirty="0"/>
-              <a:t>Data</a:t>
+              <a:t>Research </a:t>
+            </a:r>
+            <a:r>
+              <a:rPr lang="de-CH" altLang="zh-CN" dirty="0" err="1"/>
+              <a:t>question</a:t>
             </a:r>
             <a:endParaRPr lang="de-CH" dirty="0"/>
           </a:p>
@@ -8883,7 +8886,7 @@
           <a:p>
             <a:fld id="{742364D9-2DEC-45E7-AA9E-A047B011767C}" type="datetime1">
               <a:rPr lang="de-CH" altLang="zh-CN" noProof="0" smtClean="0"/>
-              <a:t>13.12.23</a:t>
+              <a:t>14.12.23</a:t>
             </a:fld>
             <a:endParaRPr lang="de-CH" noProof="0"/>
           </a:p>
@@ -8939,354 +8942,6 @@
     <p:extLst>
       <p:ext uri="{BB962C8B-B14F-4D97-AF65-F5344CB8AC3E}">
         <p14:creationId xmlns:p14="http://schemas.microsoft.com/office/powerpoint/2010/main" val="2117199031"/>
-      </p:ext>
-    </p:extLst>
-  </p:cSld>
-  <p:clrMapOvr>
-    <a:masterClrMapping/>
-  </p:clrMapOvr>
-</p:sld>
-</file>
-
-<file path=ppt/slides/slide4.xml><?xml version="1.0" encoding="utf-8"?>
-<p:sld xmlns:a="http://schemas.openxmlformats.org/drawingml/2006/main" xmlns:r="http://schemas.openxmlformats.org/officeDocument/2006/relationships" xmlns:p="http://schemas.openxmlformats.org/presentationml/2006/main">
-  <p:cSld>
-    <p:spTree>
-      <p:nvGrpSpPr>
-        <p:cNvPr id="1" name=""/>
-        <p:cNvGrpSpPr/>
-        <p:nvPr/>
-      </p:nvGrpSpPr>
-      <p:grpSpPr>
-        <a:xfrm>
-          <a:off x="0" y="0"/>
-          <a:ext cx="0" cy="0"/>
-          <a:chOff x="0" y="0"/>
-          <a:chExt cx="0" cy="0"/>
-        </a:xfrm>
-      </p:grpSpPr>
-      <p:sp>
-        <p:nvSpPr>
-          <p:cNvPr id="2" name="Inhaltsplatzhalter 1"/>
-          <p:cNvSpPr>
-            <a:spLocks noGrp="1"/>
-          </p:cNvSpPr>
-          <p:nvPr>
-            <p:ph idx="14"/>
-          </p:nvPr>
-        </p:nvSpPr>
-        <p:spPr>
-          <a:xfrm>
-            <a:off x="731836" y="1412875"/>
-            <a:ext cx="10728325" cy="4860000"/>
-          </a:xfrm>
-        </p:spPr>
-        <p:txBody>
-          <a:bodyPr/>
-          <a:lstStyle/>
-          <a:p>
-            <a:r>
-              <a:rPr lang="en-US" dirty="0"/>
-              <a:t>Software and framework (e.g., HTML 5, Python, </a:t>
-            </a:r>
-            <a:r>
-              <a:rPr lang="en-US" dirty="0" err="1"/>
-              <a:t>Geoserver</a:t>
-            </a:r>
-            <a:r>
-              <a:rPr lang="en-US" dirty="0"/>
-              <a:t>) for achieving the functionalities</a:t>
-            </a:r>
-          </a:p>
-          <a:p>
-            <a:r>
-              <a:rPr lang="en-US" dirty="0"/>
-              <a:t>Assumptions, if any are made</a:t>
-            </a:r>
-          </a:p>
-          <a:p>
-            <a:r>
-              <a:rPr lang="en-US" dirty="0"/>
-              <a:t>Step-by-step analysis approach</a:t>
-            </a:r>
-          </a:p>
-          <a:p>
-            <a:pPr lvl="1"/>
-            <a:r>
-              <a:rPr lang="en-US" dirty="0"/>
-              <a:t>Want kind of spatial analysis will be needed?</a:t>
-            </a:r>
-          </a:p>
-          <a:p>
-            <a:pPr lvl="1"/>
-            <a:r>
-              <a:rPr lang="en-US" dirty="0"/>
-              <a:t>Possibly visualized as a flow chart</a:t>
-            </a:r>
-          </a:p>
-        </p:txBody>
-      </p:sp>
-      <p:sp>
-        <p:nvSpPr>
-          <p:cNvPr id="3" name="Titel 2"/>
-          <p:cNvSpPr>
-            <a:spLocks noGrp="1"/>
-          </p:cNvSpPr>
-          <p:nvPr>
-            <p:ph type="title"/>
-          </p:nvPr>
-        </p:nvSpPr>
-        <p:spPr/>
-        <p:txBody>
-          <a:bodyPr/>
-          <a:lstStyle/>
-          <a:p>
-            <a:r>
-              <a:rPr lang="en-US" altLang="zh-CN" dirty="0"/>
-              <a:t>Methods</a:t>
-            </a:r>
-            <a:endParaRPr lang="de-CH" dirty="0"/>
-          </a:p>
-        </p:txBody>
-      </p:sp>
-      <p:sp>
-        <p:nvSpPr>
-          <p:cNvPr id="5" name="Datumsplatzhalter 4"/>
-          <p:cNvSpPr>
-            <a:spLocks noGrp="1"/>
-          </p:cNvSpPr>
-          <p:nvPr>
-            <p:ph type="dt" sz="half" idx="10"/>
-          </p:nvPr>
-        </p:nvSpPr>
-        <p:spPr/>
-        <p:txBody>
-          <a:bodyPr/>
-          <a:lstStyle/>
-          <a:p>
-            <a:fld id="{2C3774A1-A494-4668-A25D-14ADBEA1FCF5}" type="datetime1">
-              <a:rPr lang="de-CH" altLang="zh-CN" noProof="0" smtClean="0"/>
-              <a:t>13.12.23</a:t>
-            </a:fld>
-            <a:endParaRPr lang="de-CH" noProof="0"/>
-          </a:p>
-        </p:txBody>
-      </p:sp>
-      <p:sp>
-        <p:nvSpPr>
-          <p:cNvPr id="6" name="Fußzeilenplatzhalter 5"/>
-          <p:cNvSpPr>
-            <a:spLocks noGrp="1"/>
-          </p:cNvSpPr>
-          <p:nvPr>
-            <p:ph type="ftr" sz="quarter" idx="11"/>
-          </p:nvPr>
-        </p:nvSpPr>
-        <p:spPr/>
-        <p:txBody>
-          <a:bodyPr/>
-          <a:lstStyle/>
-          <a:p>
-            <a:r>
-              <a:rPr lang="en-US" noProof="0"/>
-              <a:t>GTA, HS 2023, Your name</a:t>
-            </a:r>
-            <a:endParaRPr lang="de-CH" noProof="0"/>
-          </a:p>
-        </p:txBody>
-      </p:sp>
-      <p:sp>
-        <p:nvSpPr>
-          <p:cNvPr id="7" name="Foliennummernplatzhalter 6"/>
-          <p:cNvSpPr>
-            <a:spLocks noGrp="1"/>
-          </p:cNvSpPr>
-          <p:nvPr>
-            <p:ph type="sldNum" sz="quarter" idx="12"/>
-          </p:nvPr>
-        </p:nvSpPr>
-        <p:spPr/>
-        <p:txBody>
-          <a:bodyPr/>
-          <a:lstStyle/>
-          <a:p>
-            <a:fld id="{5ACA52AF-F19D-405C-AD5F-7D94B96A5CC3}" type="slidenum">
-              <a:rPr lang="de-CH" noProof="0" smtClean="0"/>
-              <a:t>4</a:t>
-            </a:fld>
-            <a:endParaRPr lang="de-CH" noProof="0"/>
-          </a:p>
-        </p:txBody>
-      </p:sp>
-    </p:spTree>
-    <p:extLst>
-      <p:ext uri="{BB962C8B-B14F-4D97-AF65-F5344CB8AC3E}">
-        <p14:creationId xmlns:p14="http://schemas.microsoft.com/office/powerpoint/2010/main" val="3232528971"/>
-      </p:ext>
-    </p:extLst>
-  </p:cSld>
-  <p:clrMapOvr>
-    <a:masterClrMapping/>
-  </p:clrMapOvr>
-</p:sld>
-</file>
-
-<file path=ppt/slides/slide5.xml><?xml version="1.0" encoding="utf-8"?>
-<p:sld xmlns:a="http://schemas.openxmlformats.org/drawingml/2006/main" xmlns:r="http://schemas.openxmlformats.org/officeDocument/2006/relationships" xmlns:p="http://schemas.openxmlformats.org/presentationml/2006/main">
-  <p:cSld>
-    <p:spTree>
-      <p:nvGrpSpPr>
-        <p:cNvPr id="1" name=""/>
-        <p:cNvGrpSpPr/>
-        <p:nvPr/>
-      </p:nvGrpSpPr>
-      <p:grpSpPr>
-        <a:xfrm>
-          <a:off x="0" y="0"/>
-          <a:ext cx="0" cy="0"/>
-          <a:chOff x="0" y="0"/>
-          <a:chExt cx="0" cy="0"/>
-        </a:xfrm>
-      </p:grpSpPr>
-      <p:sp>
-        <p:nvSpPr>
-          <p:cNvPr id="3" name="Titel 2"/>
-          <p:cNvSpPr>
-            <a:spLocks noGrp="1"/>
-          </p:cNvSpPr>
-          <p:nvPr>
-            <p:ph type="title"/>
-          </p:nvPr>
-        </p:nvSpPr>
-        <p:spPr/>
-        <p:txBody>
-          <a:bodyPr/>
-          <a:lstStyle/>
-          <a:p>
-            <a:r>
-              <a:rPr lang="en-US" altLang="zh-CN" dirty="0"/>
-              <a:t>Results</a:t>
-            </a:r>
-            <a:endParaRPr lang="de-CH" dirty="0"/>
-          </a:p>
-        </p:txBody>
-      </p:sp>
-      <p:sp>
-        <p:nvSpPr>
-          <p:cNvPr id="5" name="Datumsplatzhalter 4"/>
-          <p:cNvSpPr>
-            <a:spLocks noGrp="1"/>
-          </p:cNvSpPr>
-          <p:nvPr>
-            <p:ph type="dt" sz="half" idx="10"/>
-          </p:nvPr>
-        </p:nvSpPr>
-        <p:spPr/>
-        <p:txBody>
-          <a:bodyPr/>
-          <a:lstStyle/>
-          <a:p>
-            <a:fld id="{DBAFFE1A-E144-4C79-A96C-514AD4ECB444}" type="datetime1">
-              <a:rPr lang="de-CH" altLang="zh-CN" noProof="0" smtClean="0"/>
-              <a:t>13.12.23</a:t>
-            </a:fld>
-            <a:endParaRPr lang="de-CH" noProof="0"/>
-          </a:p>
-        </p:txBody>
-      </p:sp>
-      <p:sp>
-        <p:nvSpPr>
-          <p:cNvPr id="6" name="Fußzeilenplatzhalter 5"/>
-          <p:cNvSpPr>
-            <a:spLocks noGrp="1"/>
-          </p:cNvSpPr>
-          <p:nvPr>
-            <p:ph type="ftr" sz="quarter" idx="11"/>
-          </p:nvPr>
-        </p:nvSpPr>
-        <p:spPr/>
-        <p:txBody>
-          <a:bodyPr/>
-          <a:lstStyle/>
-          <a:p>
-            <a:r>
-              <a:rPr lang="en-US" noProof="0"/>
-              <a:t>GTA, HS 2023, Your name</a:t>
-            </a:r>
-            <a:endParaRPr lang="de-CH" noProof="0"/>
-          </a:p>
-        </p:txBody>
-      </p:sp>
-      <p:sp>
-        <p:nvSpPr>
-          <p:cNvPr id="7" name="Foliennummernplatzhalter 6"/>
-          <p:cNvSpPr>
-            <a:spLocks noGrp="1"/>
-          </p:cNvSpPr>
-          <p:nvPr>
-            <p:ph type="sldNum" sz="quarter" idx="12"/>
-          </p:nvPr>
-        </p:nvSpPr>
-        <p:spPr/>
-        <p:txBody>
-          <a:bodyPr/>
-          <a:lstStyle/>
-          <a:p>
-            <a:fld id="{5ACA52AF-F19D-405C-AD5F-7D94B96A5CC3}" type="slidenum">
-              <a:rPr lang="de-CH" noProof="0" smtClean="0"/>
-              <a:t>5</a:t>
-            </a:fld>
-            <a:endParaRPr lang="de-CH" noProof="0"/>
-          </a:p>
-        </p:txBody>
-      </p:sp>
-      <p:sp>
-        <p:nvSpPr>
-          <p:cNvPr id="8" name="Content Placeholder 7">
-            <a:extLst>
-              <a:ext uri="{FF2B5EF4-FFF2-40B4-BE49-F238E27FC236}">
-                <a16:creationId xmlns:a16="http://schemas.microsoft.com/office/drawing/2014/main" id="{1E37B7BB-4E47-453D-B08F-290EC0BA2CEE}"/>
-              </a:ext>
-            </a:extLst>
-          </p:cNvPr>
-          <p:cNvSpPr>
-            <a:spLocks noGrp="1"/>
-          </p:cNvSpPr>
-          <p:nvPr>
-            <p:ph idx="14"/>
-          </p:nvPr>
-        </p:nvSpPr>
-        <p:spPr/>
-        <p:txBody>
-          <a:bodyPr/>
-          <a:lstStyle/>
-          <a:p>
-            <a:r>
-              <a:rPr lang="en-US" altLang="zh-CN" dirty="0"/>
-              <a:t>Anticipated result of the analysis </a:t>
-            </a:r>
-          </a:p>
-          <a:p>
-            <a:pPr lvl="1"/>
-            <a:r>
-              <a:rPr lang="en-US" altLang="zh-CN" dirty="0"/>
-              <a:t>(e.g., tables, maps or the working app itself?)</a:t>
-            </a:r>
-            <a:endParaRPr lang="de-CH" altLang="zh-CN" dirty="0"/>
-          </a:p>
-          <a:p>
-            <a:r>
-              <a:rPr lang="en-US" altLang="zh-CN" dirty="0"/>
-              <a:t>How does this answer the research question(s)? </a:t>
-            </a:r>
-            <a:endParaRPr lang="zh-CN" altLang="en-US" dirty="0"/>
-          </a:p>
-        </p:txBody>
-      </p:sp>
-    </p:spTree>
-    <p:extLst>
-      <p:ext uri="{BB962C8B-B14F-4D97-AF65-F5344CB8AC3E}">
-        <p14:creationId xmlns:p14="http://schemas.microsoft.com/office/powerpoint/2010/main" val="2732225166"/>
       </p:ext>
     </p:extLst>
   </p:cSld>

--- a/final-presentation-GTA8.pptx
+++ b/final-presentation-GTA8.pptx
@@ -5,15 +5,18 @@
     <p:sldMasterId id="2147483648" r:id="rId1"/>
   </p:sldMasterIdLst>
   <p:notesMasterIdLst>
-    <p:notesMasterId r:id="rId5"/>
+    <p:notesMasterId r:id="rId8"/>
   </p:notesMasterIdLst>
   <p:handoutMasterIdLst>
-    <p:handoutMasterId r:id="rId6"/>
+    <p:handoutMasterId r:id="rId9"/>
   </p:handoutMasterIdLst>
   <p:sldIdLst>
     <p:sldId id="256" r:id="rId2"/>
     <p:sldId id="257" r:id="rId3"/>
     <p:sldId id="259" r:id="rId4"/>
+    <p:sldId id="260" r:id="rId5"/>
+    <p:sldId id="261" r:id="rId6"/>
+    <p:sldId id="262" r:id="rId7"/>
   </p:sldIdLst>
   <p:sldSz cx="12192000" cy="6858000"/>
   <p:notesSz cx="6858000" cy="9144000"/>
@@ -228,7 +231,7 @@
           <a:p>
             <a:fld id="{F68ABEA4-9216-4FDF-AAE1-D8632908A8EC}" type="datetimeFigureOut">
               <a:rPr lang="de-CH" smtClean="0"/>
-              <a:t>14.12.23</a:t>
+              <a:t>14.12.2023</a:t>
             </a:fld>
             <a:endParaRPr lang="de-CH"/>
           </a:p>
@@ -405,7 +408,7 @@
           <a:p>
             <a:fld id="{4B78A90D-FE7E-41AF-B03D-808D82937CB9}" type="datetimeFigureOut">
               <a:rPr lang="de-CH" smtClean="0"/>
-              <a:t>14.12.23</a:t>
+              <a:t>14.12.2023</a:t>
             </a:fld>
             <a:endParaRPr lang="de-CH"/>
           </a:p>
@@ -1102,7 +1105,7 @@
           <a:p>
             <a:fld id="{529A5478-44C9-47A9-A50E-ACE4E396860E}" type="datetime1">
               <a:rPr lang="de-CH" altLang="zh-CN" noProof="0" smtClean="0"/>
-              <a:t>14.12.23</a:t>
+              <a:t>14.12.2023</a:t>
             </a:fld>
             <a:endParaRPr lang="de-CH" noProof="0"/>
           </a:p>
@@ -1297,7 +1300,7 @@
           <a:p>
             <a:fld id="{8242212C-66F0-47FB-AD78-EDC595463110}" type="datetime1">
               <a:rPr lang="de-CH" altLang="zh-CN" noProof="0" smtClean="0"/>
-              <a:t>14.12.23</a:t>
+              <a:t>14.12.2023</a:t>
             </a:fld>
             <a:endParaRPr lang="de-CH" noProof="0"/>
           </a:p>
@@ -1584,7 +1587,7 @@
           <a:p>
             <a:fld id="{AA60137E-CD38-47BC-81E0-5CAD45CC1AF1}" type="datetime1">
               <a:rPr lang="de-CH" altLang="zh-CN" noProof="0" smtClean="0"/>
-              <a:t>14.12.23</a:t>
+              <a:t>14.12.2023</a:t>
             </a:fld>
             <a:endParaRPr lang="de-CH" noProof="0"/>
           </a:p>
@@ -1945,7 +1948,7 @@
           <a:p>
             <a:fld id="{A431FA2D-E68F-4F0F-A780-CFC47013B714}" type="datetime1">
               <a:rPr lang="de-CH" altLang="zh-CN" noProof="0" smtClean="0"/>
-              <a:t>14.12.23</a:t>
+              <a:t>14.12.2023</a:t>
             </a:fld>
             <a:endParaRPr lang="de-CH" noProof="0"/>
           </a:p>
@@ -2267,7 +2270,7 @@
           <a:p>
             <a:fld id="{84A17A78-631F-4798-873C-E3BC87E12C19}" type="datetime1">
               <a:rPr lang="de-CH" altLang="zh-CN" noProof="0" smtClean="0"/>
-              <a:t>14.12.23</a:t>
+              <a:t>14.12.2023</a:t>
             </a:fld>
             <a:endParaRPr lang="de-CH" noProof="0"/>
           </a:p>
@@ -2557,7 +2560,7 @@
           <a:p>
             <a:fld id="{1DE6F282-D61B-4B91-9E52-E22C27686736}" type="datetime1">
               <a:rPr lang="de-CH" altLang="zh-CN" noProof="0" smtClean="0"/>
-              <a:t>14.12.23</a:t>
+              <a:t>14.12.2023</a:t>
             </a:fld>
             <a:endParaRPr lang="de-CH" noProof="0"/>
           </a:p>
@@ -2957,7 +2960,7 @@
           <a:p>
             <a:fld id="{1FE33DFF-66A8-4848-BDF5-B748963C3EA1}" type="datetime1">
               <a:rPr lang="de-CH" altLang="zh-CN" noProof="0" smtClean="0"/>
-              <a:t>14.12.23</a:t>
+              <a:t>14.12.2023</a:t>
             </a:fld>
             <a:endParaRPr lang="de-CH" noProof="0"/>
           </a:p>
@@ -3325,7 +3328,7 @@
           <a:p>
             <a:fld id="{5C6AB5B1-E32A-44F1-810B-E5B22B667C23}" type="datetime1">
               <a:rPr lang="de-CH" altLang="zh-CN" noProof="0" smtClean="0"/>
-              <a:t>14.12.23</a:t>
+              <a:t>14.12.2023</a:t>
             </a:fld>
             <a:endParaRPr lang="de-CH" noProof="0"/>
           </a:p>
@@ -5230,7 +5233,7 @@
           <a:p>
             <a:fld id="{71351BE9-D1B1-450C-9E09-0EFB736E9019}" type="datetime1">
               <a:rPr lang="de-CH" altLang="zh-CN" noProof="0" smtClean="0"/>
-              <a:t>14.12.23</a:t>
+              <a:t>14.12.2023</a:t>
             </a:fld>
             <a:endParaRPr lang="de-CH" noProof="0"/>
           </a:p>
@@ -5473,7 +5476,7 @@
           <a:p>
             <a:fld id="{64B38C6C-E0AF-42C1-825A-E41D0C7D5453}" type="datetime1">
               <a:rPr lang="de-CH" altLang="zh-CN" noProof="0" smtClean="0"/>
-              <a:t>14.12.23</a:t>
+              <a:t>14.12.2023</a:t>
             </a:fld>
             <a:endParaRPr lang="de-CH" noProof="0"/>
           </a:p>
@@ -5721,7 +5724,7 @@
           <a:p>
             <a:fld id="{6EFA91BA-40EA-48F2-AAA2-BB2A97EABA4B}" type="datetime1">
               <a:rPr lang="de-CH" altLang="zh-CN" noProof="0" smtClean="0"/>
-              <a:t>14.12.23</a:t>
+              <a:t>14.12.2023</a:t>
             </a:fld>
             <a:endParaRPr lang="de-CH" noProof="0"/>
           </a:p>
@@ -5997,7 +6000,7 @@
           <a:p>
             <a:fld id="{1C509AF0-7793-4B69-A4D8-57B297D87DE3}" type="datetime1">
               <a:rPr lang="de-CH" altLang="zh-CN" noProof="0" smtClean="0"/>
-              <a:t>14.12.23</a:t>
+              <a:t>14.12.2023</a:t>
             </a:fld>
             <a:endParaRPr lang="de-CH" noProof="0"/>
           </a:p>
@@ -7928,7 +7931,7 @@
           <a:p>
             <a:fld id="{9B0A27C7-4D4D-4A0D-ACD9-E72FFE4387D7}" type="datetime1">
               <a:rPr lang="de-CH" altLang="zh-CN" noProof="0" smtClean="0"/>
-              <a:t>14.12.23</a:t>
+              <a:t>14.12.2023</a:t>
             </a:fld>
             <a:endParaRPr lang="de-CH" noProof="0"/>
           </a:p>
@@ -8515,19 +8518,21 @@
           <a:p>
             <a:r>
               <a:rPr lang="de-DE" b="1" dirty="0"/>
-              <a:t>GTA8</a:t>
+              <a:t>GTA Group 8</a:t>
             </a:r>
           </a:p>
           <a:p>
             <a:r>
               <a:rPr lang="de-DE" dirty="0"/>
-              <a:t>GTA, HS 2023</a:t>
-            </a:r>
-          </a:p>
-          <a:p>
+              <a:t>Geoinformationstechnologien und –</a:t>
+            </a:r>
+            <a:r>
+              <a:rPr lang="de-DE" dirty="0" err="1"/>
+              <a:t>analysen</a:t>
+            </a:r>
             <a:r>
               <a:rPr lang="de-DE" dirty="0"/>
-              <a:t>19. </a:t>
+              <a:t> 19. </a:t>
             </a:r>
             <a:r>
               <a:rPr lang="de-DE" dirty="0" err="1"/>
@@ -8586,60 +8591,20 @@
           <a:bodyPr/>
           <a:lstStyle/>
           <a:p>
+            <a:pPr marL="0" indent="0">
+              <a:buNone/>
+            </a:pPr>
             <a:r>
               <a:rPr lang="de-CH" dirty="0"/>
-              <a:t>Introduction and mot</a:t>
-            </a:r>
-            <a:r>
-              <a:rPr lang="en-US" altLang="zh-CN" dirty="0" err="1"/>
-              <a:t>i</a:t>
+              <a:t>[Bild von </a:t>
+            </a:r>
+            <a:r>
+              <a:rPr lang="de-CH" dirty="0" err="1"/>
+              <a:t>commuter</a:t>
             </a:r>
             <a:r>
               <a:rPr lang="de-CH" dirty="0"/>
-              <a:t>vation </a:t>
-            </a:r>
-          </a:p>
-          <a:p>
-            <a:pPr lvl="1"/>
-            <a:endParaRPr lang="de-CH" dirty="0"/>
-          </a:p>
-          <a:p>
-            <a:endParaRPr lang="de-CH" dirty="0"/>
-          </a:p>
-          <a:p>
-            <a:endParaRPr lang="de-CH" dirty="0"/>
-          </a:p>
-          <a:p>
-            <a:endParaRPr lang="de-CH" dirty="0"/>
-          </a:p>
-          <a:p>
-            <a:r>
-              <a:rPr lang="de-CH" dirty="0"/>
-              <a:t>Research question that you would like to answer</a:t>
-            </a:r>
-          </a:p>
-          <a:p>
-            <a:pPr lvl="1"/>
-            <a:r>
-              <a:rPr lang="de-CH" dirty="0"/>
-              <a:t>RQ 1</a:t>
-            </a:r>
-          </a:p>
-          <a:p>
-            <a:pPr lvl="1"/>
-            <a:r>
-              <a:rPr lang="de-CH" dirty="0"/>
-              <a:t>…</a:t>
-            </a:r>
-          </a:p>
-          <a:p>
-            <a:pPr lvl="1"/>
-            <a:endParaRPr lang="de-CH" dirty="0"/>
-          </a:p>
-          <a:p>
-            <a:r>
-              <a:rPr lang="de-CH" dirty="0"/>
-              <a:t>Some motivating pictures…</a:t>
+              <a:t> am Handy]</a:t>
             </a:r>
           </a:p>
         </p:txBody>
@@ -8683,7 +8648,7 @@
           <a:p>
             <a:fld id="{3BD06BEC-4893-404C-8A2C-279EE224BC79}" type="datetime1">
               <a:rPr lang="de-CH" altLang="zh-CN" noProof="0" smtClean="0"/>
-              <a:t>14.12.23</a:t>
+              <a:t>14.12.2023</a:t>
             </a:fld>
             <a:endParaRPr lang="de-CH" noProof="0"/>
           </a:p>
@@ -8705,8 +8670,8 @@
           <a:lstStyle/>
           <a:p>
             <a:r>
-              <a:rPr lang="en-US" noProof="0"/>
-              <a:t>GTA, HS 2023, Your name</a:t>
+              <a:rPr lang="en-US" noProof="0" dirty="0"/>
+              <a:t>GTA, HS 2023, Blaser Christian, Eckert Niklas, Hunziker Carlos, Zemp Estelle</a:t>
             </a:r>
             <a:endParaRPr lang="de-CH" noProof="0" dirty="0"/>
           </a:p>
@@ -8782,11 +8747,7 @@
           <a:p>
             <a:r>
               <a:rPr lang="de-CH" altLang="zh-CN" dirty="0"/>
-              <a:t>Research </a:t>
-            </a:r>
-            <a:r>
-              <a:rPr lang="de-CH" altLang="zh-CN" dirty="0" err="1"/>
-              <a:t>question</a:t>
+              <a:t>Research Question</a:t>
             </a:r>
             <a:endParaRPr lang="de-CH" dirty="0"/>
           </a:p>
@@ -8812,59 +8773,117 @@
           <a:bodyPr/>
           <a:lstStyle/>
           <a:p>
-            <a:r>
-              <a:rPr lang="de-CH" dirty="0"/>
-              <a:t>Data</a:t>
-            </a:r>
-          </a:p>
-          <a:p>
-            <a:pPr lvl="1"/>
-            <a:r>
-              <a:rPr lang="de-CH" dirty="0"/>
-              <a:t>Which data will you collect?</a:t>
-            </a:r>
-          </a:p>
-          <a:p>
-            <a:pPr lvl="2"/>
-            <a:r>
-              <a:rPr lang="de-CH" dirty="0"/>
-              <a:t>What are the attributes of point data?</a:t>
-            </a:r>
-          </a:p>
-          <a:p>
-            <a:pPr lvl="2"/>
-            <a:r>
-              <a:rPr lang="de-CH" dirty="0"/>
-              <a:t>Which kind of trajectory data will you collect?</a:t>
-            </a:r>
-          </a:p>
-          <a:p>
-            <a:pPr lvl="2"/>
-            <a:r>
-              <a:rPr lang="de-CH" dirty="0"/>
-              <a:t>How are you going to combine them?</a:t>
-            </a:r>
-          </a:p>
-          <a:p>
-            <a:pPr lvl="1"/>
-            <a:endParaRPr lang="de-CH" dirty="0"/>
-          </a:p>
-          <a:p>
-            <a:pPr lvl="1"/>
-            <a:r>
-              <a:rPr lang="de-CH" dirty="0"/>
-              <a:t>Which kind of public data is available? </a:t>
-            </a:r>
-          </a:p>
-          <a:p>
-            <a:pPr lvl="1"/>
-            <a:r>
-              <a:rPr lang="de-CH" dirty="0"/>
-              <a:t>What are the added value of these data?</a:t>
-            </a:r>
-          </a:p>
-          <a:p>
-            <a:pPr lvl="1"/>
+            <a:pPr marL="266700" lvl="1" indent="0">
+              <a:buNone/>
+            </a:pPr>
+            <a:r>
+              <a:rPr lang="en-US" dirty="0"/>
+              <a:t>”How can </a:t>
+            </a:r>
+            <a:r>
+              <a:rPr lang="en-US" b="1" dirty="0"/>
+              <a:t>self-recorded trajectories </a:t>
+            </a:r>
+            <a:r>
+              <a:rPr lang="en-US" dirty="0"/>
+              <a:t>be combined with </a:t>
+            </a:r>
+            <a:r>
+              <a:rPr lang="en-US" b="1" dirty="0"/>
+              <a:t>open-source data </a:t>
+            </a:r>
+            <a:r>
+              <a:rPr lang="en-US" dirty="0"/>
+              <a:t>in a</a:t>
+            </a:r>
+          </a:p>
+          <a:p>
+            <a:pPr marL="266700" lvl="1" indent="0">
+              <a:buNone/>
+            </a:pPr>
+            <a:r>
+              <a:rPr lang="en-US" b="1" dirty="0"/>
+              <a:t>geospatial analysis </a:t>
+            </a:r>
+            <a:r>
+              <a:rPr lang="en-US" dirty="0"/>
+              <a:t>while optimizing the </a:t>
+            </a:r>
+            <a:r>
+              <a:rPr lang="en-US" b="1" dirty="0"/>
+              <a:t>user interface and experience</a:t>
+            </a:r>
+            <a:r>
+              <a:rPr lang="en-US" dirty="0"/>
+              <a:t>?”</a:t>
+            </a:r>
+          </a:p>
+          <a:p>
+            <a:pPr marL="266700" lvl="1" indent="0">
+              <a:buNone/>
+            </a:pPr>
+            <a:endParaRPr lang="en-US" dirty="0"/>
+          </a:p>
+          <a:p>
+            <a:pPr marL="266700" lvl="1" indent="0">
+              <a:buNone/>
+            </a:pPr>
+            <a:endParaRPr lang="en-US" dirty="0"/>
+          </a:p>
+          <a:p>
+            <a:pPr marL="266700" lvl="1" indent="0">
+              <a:buNone/>
+            </a:pPr>
+            <a:r>
+              <a:rPr lang="en-US" dirty="0"/>
+              <a:t>Three spotlights:</a:t>
+            </a:r>
+          </a:p>
+          <a:p>
+            <a:pPr marL="266700" lvl="1" indent="0">
+              <a:buNone/>
+            </a:pPr>
+            <a:endParaRPr lang="en-US" dirty="0"/>
+          </a:p>
+          <a:p>
+            <a:pPr marL="538537" lvl="2" indent="0">
+              <a:buNone/>
+            </a:pPr>
+            <a:r>
+              <a:rPr lang="en-US" dirty="0"/>
+              <a:t>- </a:t>
+            </a:r>
+            <a:r>
+              <a:rPr lang="en-US" dirty="0" err="1"/>
+              <a:t>Vercel</a:t>
+            </a:r>
+            <a:r>
+              <a:rPr lang="en-US" dirty="0"/>
+              <a:t> and </a:t>
+            </a:r>
+            <a:r>
+              <a:rPr lang="en-US" dirty="0" err="1"/>
+              <a:t>Github</a:t>
+            </a:r>
+            <a:endParaRPr lang="en-US" dirty="0"/>
+          </a:p>
+          <a:p>
+            <a:pPr marL="538537" lvl="2" indent="0">
+              <a:buNone/>
+            </a:pPr>
+            <a:r>
+              <a:rPr lang="en-US" dirty="0"/>
+              <a:t>- User Guidance</a:t>
+            </a:r>
+          </a:p>
+          <a:p>
+            <a:pPr marL="538537" lvl="2" indent="0">
+              <a:buNone/>
+            </a:pPr>
+            <a:r>
+              <a:rPr lang="en-US" dirty="0"/>
+              <a:t>- Design</a:t>
+            </a:r>
             <a:endParaRPr lang="de-CH" dirty="0"/>
           </a:p>
         </p:txBody>
@@ -8886,7 +8905,7 @@
           <a:p>
             <a:fld id="{742364D9-2DEC-45E7-AA9E-A047B011767C}" type="datetime1">
               <a:rPr lang="de-CH" altLang="zh-CN" noProof="0" smtClean="0"/>
-              <a:t>14.12.23</a:t>
+              <a:t>14.12.2023</a:t>
             </a:fld>
             <a:endParaRPr lang="de-CH" noProof="0"/>
           </a:p>
@@ -8908,8 +8927,8 @@
           <a:lstStyle/>
           <a:p>
             <a:r>
-              <a:rPr lang="en-US" noProof="0"/>
-              <a:t>GTA, HS 2023, Your name</a:t>
+              <a:rPr lang="en-US" noProof="0" dirty="0"/>
+              <a:t>GTA, HS 2023, Blaser Christian, Eckert Niklas, Hunziker Carlos, Zemp Estelle</a:t>
             </a:r>
             <a:endParaRPr lang="de-CH" noProof="0" dirty="0"/>
           </a:p>
@@ -8942,6 +8961,798 @@
     <p:extLst>
       <p:ext uri="{BB962C8B-B14F-4D97-AF65-F5344CB8AC3E}">
         <p14:creationId xmlns:p14="http://schemas.microsoft.com/office/powerpoint/2010/main" val="2117199031"/>
+      </p:ext>
+    </p:extLst>
+  </p:cSld>
+  <p:clrMapOvr>
+    <a:masterClrMapping/>
+  </p:clrMapOvr>
+</p:sld>
+</file>
+
+<file path=ppt/slides/slide4.xml><?xml version="1.0" encoding="utf-8"?>
+<p:sld xmlns:a="http://schemas.openxmlformats.org/drawingml/2006/main" xmlns:r="http://schemas.openxmlformats.org/officeDocument/2006/relationships" xmlns:p="http://schemas.openxmlformats.org/presentationml/2006/main">
+  <p:cSld>
+    <p:spTree>
+      <p:nvGrpSpPr>
+        <p:cNvPr id="1" name=""/>
+        <p:cNvGrpSpPr/>
+        <p:nvPr/>
+      </p:nvGrpSpPr>
+      <p:grpSpPr>
+        <a:xfrm>
+          <a:off x="0" y="0"/>
+          <a:ext cx="0" cy="0"/>
+          <a:chOff x="0" y="0"/>
+          <a:chExt cx="0" cy="0"/>
+        </a:xfrm>
+      </p:grpSpPr>
+      <p:sp>
+        <p:nvSpPr>
+          <p:cNvPr id="2" name="Inhaltsplatzhalter 1">
+            <a:extLst>
+              <a:ext uri="{FF2B5EF4-FFF2-40B4-BE49-F238E27FC236}">
+                <a16:creationId xmlns:a16="http://schemas.microsoft.com/office/drawing/2014/main" id="{C32355AB-72C2-3AFE-E843-519096A2CCDB}"/>
+              </a:ext>
+            </a:extLst>
+          </p:cNvPr>
+          <p:cNvSpPr>
+            <a:spLocks noGrp="1"/>
+          </p:cNvSpPr>
+          <p:nvPr>
+            <p:ph idx="14"/>
+          </p:nvPr>
+        </p:nvSpPr>
+        <p:spPr/>
+        <p:txBody>
+          <a:bodyPr/>
+          <a:lstStyle/>
+          <a:p>
+            <a:r>
+              <a:rPr lang="de-CH" dirty="0"/>
+              <a:t>Connection </a:t>
+            </a:r>
+            <a:r>
+              <a:rPr lang="de-CH" dirty="0" err="1"/>
+              <a:t>of</a:t>
+            </a:r>
+            <a:r>
+              <a:rPr lang="de-CH" dirty="0"/>
+              <a:t> </a:t>
+            </a:r>
+            <a:r>
+              <a:rPr lang="de-CH" dirty="0" err="1"/>
+              <a:t>the</a:t>
+            </a:r>
+            <a:r>
+              <a:rPr lang="de-CH" dirty="0"/>
+              <a:t> GitHub </a:t>
+            </a:r>
+            <a:r>
+              <a:rPr lang="de-CH" dirty="0" err="1"/>
+              <a:t>repository</a:t>
+            </a:r>
+            <a:r>
+              <a:rPr lang="de-CH" dirty="0"/>
+              <a:t> </a:t>
+            </a:r>
+            <a:r>
+              <a:rPr lang="de-CH" dirty="0" err="1"/>
+              <a:t>to</a:t>
+            </a:r>
+            <a:r>
+              <a:rPr lang="de-CH" dirty="0"/>
+              <a:t> </a:t>
+            </a:r>
+            <a:r>
+              <a:rPr lang="de-CH" dirty="0" err="1"/>
+              <a:t>the</a:t>
+            </a:r>
+            <a:r>
+              <a:rPr lang="de-CH" dirty="0"/>
+              <a:t> </a:t>
+            </a:r>
+            <a:r>
+              <a:rPr lang="de-CH" dirty="0" err="1"/>
+              <a:t>Vercel</a:t>
+            </a:r>
+            <a:r>
+              <a:rPr lang="de-CH" dirty="0"/>
+              <a:t> </a:t>
+            </a:r>
+            <a:r>
+              <a:rPr lang="de-CH" dirty="0" err="1"/>
+              <a:t>project</a:t>
+            </a:r>
+            <a:endParaRPr lang="de-CH" dirty="0"/>
+          </a:p>
+          <a:p>
+            <a:endParaRPr lang="de-CH" dirty="0"/>
+          </a:p>
+          <a:p>
+            <a:r>
+              <a:rPr lang="de-CH" dirty="0" err="1"/>
+              <a:t>Automatic</a:t>
+            </a:r>
+            <a:r>
+              <a:rPr lang="de-CH" dirty="0"/>
+              <a:t> </a:t>
+            </a:r>
+            <a:r>
+              <a:rPr lang="de-CH" dirty="0" err="1"/>
+              <a:t>deployment</a:t>
+            </a:r>
+            <a:r>
+              <a:rPr lang="de-CH" dirty="0"/>
+              <a:t> </a:t>
+            </a:r>
+            <a:r>
+              <a:rPr lang="de-CH" dirty="0" err="1"/>
+              <a:t>of</a:t>
+            </a:r>
+            <a:r>
+              <a:rPr lang="de-CH" dirty="0"/>
+              <a:t> </a:t>
+            </a:r>
+            <a:r>
+              <a:rPr lang="de-CH" dirty="0" err="1"/>
+              <a:t>every</a:t>
+            </a:r>
+            <a:r>
+              <a:rPr lang="de-CH" dirty="0"/>
+              <a:t> push in GitHub</a:t>
+            </a:r>
+          </a:p>
+        </p:txBody>
+      </p:sp>
+      <p:sp>
+        <p:nvSpPr>
+          <p:cNvPr id="3" name="Titel 2">
+            <a:extLst>
+              <a:ext uri="{FF2B5EF4-FFF2-40B4-BE49-F238E27FC236}">
+                <a16:creationId xmlns:a16="http://schemas.microsoft.com/office/drawing/2014/main" id="{6BE9557D-D1BC-CD4C-9296-8D49DFCA8879}"/>
+              </a:ext>
+            </a:extLst>
+          </p:cNvPr>
+          <p:cNvSpPr>
+            <a:spLocks noGrp="1"/>
+          </p:cNvSpPr>
+          <p:nvPr>
+            <p:ph type="title"/>
+          </p:nvPr>
+        </p:nvSpPr>
+        <p:spPr/>
+        <p:txBody>
+          <a:bodyPr/>
+          <a:lstStyle/>
+          <a:p>
+            <a:r>
+              <a:rPr lang="de-CH" dirty="0" err="1"/>
+              <a:t>Vercel</a:t>
+            </a:r>
+            <a:r>
+              <a:rPr lang="de-CH" dirty="0"/>
+              <a:t> and GitHub</a:t>
+            </a:r>
+          </a:p>
+        </p:txBody>
+      </p:sp>
+      <p:sp>
+        <p:nvSpPr>
+          <p:cNvPr id="4" name="Inhaltsplatzhalter 3">
+            <a:extLst>
+              <a:ext uri="{FF2B5EF4-FFF2-40B4-BE49-F238E27FC236}">
+                <a16:creationId xmlns:a16="http://schemas.microsoft.com/office/drawing/2014/main" id="{457C0E96-FBB7-367E-F4D6-E49FE8EF660C}"/>
+              </a:ext>
+            </a:extLst>
+          </p:cNvPr>
+          <p:cNvSpPr>
+            <a:spLocks noGrp="1"/>
+          </p:cNvSpPr>
+          <p:nvPr>
+            <p:ph idx="1"/>
+          </p:nvPr>
+        </p:nvSpPr>
+        <p:spPr/>
+        <p:txBody>
+          <a:bodyPr/>
+          <a:lstStyle/>
+          <a:p>
+            <a:endParaRPr lang="de-CH"/>
+          </a:p>
+        </p:txBody>
+      </p:sp>
+      <p:sp>
+        <p:nvSpPr>
+          <p:cNvPr id="5" name="Datumsplatzhalter 4">
+            <a:extLst>
+              <a:ext uri="{FF2B5EF4-FFF2-40B4-BE49-F238E27FC236}">
+                <a16:creationId xmlns:a16="http://schemas.microsoft.com/office/drawing/2014/main" id="{EEA10D7F-553D-B90F-F54E-C026FAFE1336}"/>
+              </a:ext>
+            </a:extLst>
+          </p:cNvPr>
+          <p:cNvSpPr>
+            <a:spLocks noGrp="1"/>
+          </p:cNvSpPr>
+          <p:nvPr>
+            <p:ph type="dt" sz="half" idx="10"/>
+          </p:nvPr>
+        </p:nvSpPr>
+        <p:spPr/>
+        <p:txBody>
+          <a:bodyPr/>
+          <a:lstStyle/>
+          <a:p>
+            <a:fld id="{84A17A78-631F-4798-873C-E3BC87E12C19}" type="datetime1">
+              <a:rPr lang="de-CH" altLang="zh-CN" noProof="0" smtClean="0"/>
+              <a:t>14.12.2023</a:t>
+            </a:fld>
+            <a:endParaRPr lang="de-CH" noProof="0"/>
+          </a:p>
+        </p:txBody>
+      </p:sp>
+      <p:sp>
+        <p:nvSpPr>
+          <p:cNvPr id="6" name="Fußzeilenplatzhalter 5">
+            <a:extLst>
+              <a:ext uri="{FF2B5EF4-FFF2-40B4-BE49-F238E27FC236}">
+                <a16:creationId xmlns:a16="http://schemas.microsoft.com/office/drawing/2014/main" id="{7832A7EF-3544-FC53-702D-1745D4A948C3}"/>
+              </a:ext>
+            </a:extLst>
+          </p:cNvPr>
+          <p:cNvSpPr>
+            <a:spLocks noGrp="1"/>
+          </p:cNvSpPr>
+          <p:nvPr>
+            <p:ph type="ftr" sz="quarter" idx="11"/>
+          </p:nvPr>
+        </p:nvSpPr>
+        <p:spPr/>
+        <p:txBody>
+          <a:bodyPr/>
+          <a:lstStyle/>
+          <a:p>
+            <a:r>
+              <a:rPr lang="en-US" noProof="0" dirty="0"/>
+              <a:t>GTA, HS 2023, Blaser Christian, Eckert Niklas, Hunziker Carlos, Zemp Estelle</a:t>
+            </a:r>
+            <a:endParaRPr lang="de-CH" noProof="0" dirty="0"/>
+          </a:p>
+        </p:txBody>
+      </p:sp>
+      <p:sp>
+        <p:nvSpPr>
+          <p:cNvPr id="7" name="Foliennummernplatzhalter 6">
+            <a:extLst>
+              <a:ext uri="{FF2B5EF4-FFF2-40B4-BE49-F238E27FC236}">
+                <a16:creationId xmlns:a16="http://schemas.microsoft.com/office/drawing/2014/main" id="{8E80FD3F-F7E0-7E77-D3EA-81799A7C8DF5}"/>
+              </a:ext>
+            </a:extLst>
+          </p:cNvPr>
+          <p:cNvSpPr>
+            <a:spLocks noGrp="1"/>
+          </p:cNvSpPr>
+          <p:nvPr>
+            <p:ph type="sldNum" sz="quarter" idx="12"/>
+          </p:nvPr>
+        </p:nvSpPr>
+        <p:spPr/>
+        <p:txBody>
+          <a:bodyPr/>
+          <a:lstStyle/>
+          <a:p>
+            <a:fld id="{5ACA52AF-F19D-405C-AD5F-7D94B96A5CC3}" type="slidenum">
+              <a:rPr lang="de-CH" noProof="0" smtClean="0"/>
+              <a:t>4</a:t>
+            </a:fld>
+            <a:endParaRPr lang="de-CH" noProof="0"/>
+          </a:p>
+        </p:txBody>
+      </p:sp>
+      <p:sp>
+        <p:nvSpPr>
+          <p:cNvPr id="8" name="Bildplatzhalter 7">
+            <a:extLst>
+              <a:ext uri="{FF2B5EF4-FFF2-40B4-BE49-F238E27FC236}">
+                <a16:creationId xmlns:a16="http://schemas.microsoft.com/office/drawing/2014/main" id="{940A1BAD-56FA-999D-4464-E41E22B221E6}"/>
+              </a:ext>
+            </a:extLst>
+          </p:cNvPr>
+          <p:cNvSpPr>
+            <a:spLocks noGrp="1"/>
+          </p:cNvSpPr>
+          <p:nvPr>
+            <p:ph type="pic" sz="quarter" idx="15"/>
+          </p:nvPr>
+        </p:nvSpPr>
+        <p:spPr/>
+        <p:txBody>
+          <a:bodyPr/>
+          <a:lstStyle/>
+          <a:p>
+            <a:endParaRPr lang="de-CH"/>
+          </a:p>
+        </p:txBody>
+      </p:sp>
+    </p:spTree>
+    <p:extLst>
+      <p:ext uri="{BB962C8B-B14F-4D97-AF65-F5344CB8AC3E}">
+        <p14:creationId xmlns:p14="http://schemas.microsoft.com/office/powerpoint/2010/main" val="2477142081"/>
+      </p:ext>
+    </p:extLst>
+  </p:cSld>
+  <p:clrMapOvr>
+    <a:masterClrMapping/>
+  </p:clrMapOvr>
+</p:sld>
+</file>
+
+<file path=ppt/slides/slide5.xml><?xml version="1.0" encoding="utf-8"?>
+<p:sld xmlns:a="http://schemas.openxmlformats.org/drawingml/2006/main" xmlns:r="http://schemas.openxmlformats.org/officeDocument/2006/relationships" xmlns:p="http://schemas.openxmlformats.org/presentationml/2006/main">
+  <p:cSld>
+    <p:spTree>
+      <p:nvGrpSpPr>
+        <p:cNvPr id="1" name=""/>
+        <p:cNvGrpSpPr/>
+        <p:nvPr/>
+      </p:nvGrpSpPr>
+      <p:grpSpPr>
+        <a:xfrm>
+          <a:off x="0" y="0"/>
+          <a:ext cx="0" cy="0"/>
+          <a:chOff x="0" y="0"/>
+          <a:chExt cx="0" cy="0"/>
+        </a:xfrm>
+      </p:grpSpPr>
+      <p:sp>
+        <p:nvSpPr>
+          <p:cNvPr id="2" name="Inhaltsplatzhalter 1">
+            <a:extLst>
+              <a:ext uri="{FF2B5EF4-FFF2-40B4-BE49-F238E27FC236}">
+                <a16:creationId xmlns:a16="http://schemas.microsoft.com/office/drawing/2014/main" id="{F8BD6C05-F8F5-81F6-ADA5-C6832F10D55B}"/>
+              </a:ext>
+            </a:extLst>
+          </p:cNvPr>
+          <p:cNvSpPr>
+            <a:spLocks noGrp="1"/>
+          </p:cNvSpPr>
+          <p:nvPr>
+            <p:ph idx="14"/>
+          </p:nvPr>
+        </p:nvSpPr>
+        <p:spPr/>
+        <p:txBody>
+          <a:bodyPr/>
+          <a:lstStyle/>
+          <a:p>
+            <a:r>
+              <a:rPr lang="en-US" dirty="0"/>
+              <a:t>pop-ups </a:t>
+            </a:r>
+          </a:p>
+          <a:p>
+            <a:r>
+              <a:rPr lang="en-US" dirty="0"/>
+              <a:t>loading screen</a:t>
+            </a:r>
+          </a:p>
+          <a:p>
+            <a:endParaRPr lang="de-CH" dirty="0"/>
+          </a:p>
+        </p:txBody>
+      </p:sp>
+      <p:sp>
+        <p:nvSpPr>
+          <p:cNvPr id="3" name="Titel 2">
+            <a:extLst>
+              <a:ext uri="{FF2B5EF4-FFF2-40B4-BE49-F238E27FC236}">
+                <a16:creationId xmlns:a16="http://schemas.microsoft.com/office/drawing/2014/main" id="{C8369A80-D744-7E50-13AA-63B51347D785}"/>
+              </a:ext>
+            </a:extLst>
+          </p:cNvPr>
+          <p:cNvSpPr>
+            <a:spLocks noGrp="1"/>
+          </p:cNvSpPr>
+          <p:nvPr>
+            <p:ph type="title"/>
+          </p:nvPr>
+        </p:nvSpPr>
+        <p:spPr/>
+        <p:txBody>
+          <a:bodyPr/>
+          <a:lstStyle/>
+          <a:p>
+            <a:r>
+              <a:rPr lang="de-CH" dirty="0"/>
+              <a:t>User </a:t>
+            </a:r>
+            <a:r>
+              <a:rPr lang="de-CH" dirty="0" err="1"/>
+              <a:t>Guidance</a:t>
+            </a:r>
+            <a:endParaRPr lang="de-CH" dirty="0"/>
+          </a:p>
+        </p:txBody>
+      </p:sp>
+      <p:sp>
+        <p:nvSpPr>
+          <p:cNvPr id="4" name="Inhaltsplatzhalter 3">
+            <a:extLst>
+              <a:ext uri="{FF2B5EF4-FFF2-40B4-BE49-F238E27FC236}">
+                <a16:creationId xmlns:a16="http://schemas.microsoft.com/office/drawing/2014/main" id="{5EE8E679-475F-F4BB-1138-1E4553541A7C}"/>
+              </a:ext>
+            </a:extLst>
+          </p:cNvPr>
+          <p:cNvSpPr>
+            <a:spLocks noGrp="1"/>
+          </p:cNvSpPr>
+          <p:nvPr>
+            <p:ph idx="1"/>
+          </p:nvPr>
+        </p:nvSpPr>
+        <p:spPr/>
+        <p:txBody>
+          <a:bodyPr/>
+          <a:lstStyle/>
+          <a:p>
+            <a:endParaRPr lang="de-CH"/>
+          </a:p>
+        </p:txBody>
+      </p:sp>
+      <p:sp>
+        <p:nvSpPr>
+          <p:cNvPr id="5" name="Datumsplatzhalter 4">
+            <a:extLst>
+              <a:ext uri="{FF2B5EF4-FFF2-40B4-BE49-F238E27FC236}">
+                <a16:creationId xmlns:a16="http://schemas.microsoft.com/office/drawing/2014/main" id="{D3371E2B-961A-0F66-CFF6-F02B6CEAD3A7}"/>
+              </a:ext>
+            </a:extLst>
+          </p:cNvPr>
+          <p:cNvSpPr>
+            <a:spLocks noGrp="1"/>
+          </p:cNvSpPr>
+          <p:nvPr>
+            <p:ph type="dt" sz="half" idx="10"/>
+          </p:nvPr>
+        </p:nvSpPr>
+        <p:spPr/>
+        <p:txBody>
+          <a:bodyPr/>
+          <a:lstStyle/>
+          <a:p>
+            <a:fld id="{84A17A78-631F-4798-873C-E3BC87E12C19}" type="datetime1">
+              <a:rPr lang="de-CH" altLang="zh-CN" noProof="0" smtClean="0"/>
+              <a:t>14.12.2023</a:t>
+            </a:fld>
+            <a:endParaRPr lang="de-CH" noProof="0"/>
+          </a:p>
+        </p:txBody>
+      </p:sp>
+      <p:sp>
+        <p:nvSpPr>
+          <p:cNvPr id="6" name="Fußzeilenplatzhalter 5">
+            <a:extLst>
+              <a:ext uri="{FF2B5EF4-FFF2-40B4-BE49-F238E27FC236}">
+                <a16:creationId xmlns:a16="http://schemas.microsoft.com/office/drawing/2014/main" id="{EBB655DA-F0C9-3EFC-DA9D-8987C1DC7A27}"/>
+              </a:ext>
+            </a:extLst>
+          </p:cNvPr>
+          <p:cNvSpPr>
+            <a:spLocks noGrp="1"/>
+          </p:cNvSpPr>
+          <p:nvPr>
+            <p:ph type="ftr" sz="quarter" idx="11"/>
+          </p:nvPr>
+        </p:nvSpPr>
+        <p:spPr/>
+        <p:txBody>
+          <a:bodyPr/>
+          <a:lstStyle/>
+          <a:p>
+            <a:r>
+              <a:rPr lang="en-US" noProof="0" dirty="0"/>
+              <a:t>GTA, HS 2023, Blaser Christian, Eckert Niklas, Hunziker Carlos, Zemp Estelle</a:t>
+            </a:r>
+            <a:endParaRPr lang="de-CH" noProof="0" dirty="0"/>
+          </a:p>
+        </p:txBody>
+      </p:sp>
+      <p:sp>
+        <p:nvSpPr>
+          <p:cNvPr id="7" name="Foliennummernplatzhalter 6">
+            <a:extLst>
+              <a:ext uri="{FF2B5EF4-FFF2-40B4-BE49-F238E27FC236}">
+                <a16:creationId xmlns:a16="http://schemas.microsoft.com/office/drawing/2014/main" id="{9029A83C-7471-D159-BCDD-0348B1566C1B}"/>
+              </a:ext>
+            </a:extLst>
+          </p:cNvPr>
+          <p:cNvSpPr>
+            <a:spLocks noGrp="1"/>
+          </p:cNvSpPr>
+          <p:nvPr>
+            <p:ph type="sldNum" sz="quarter" idx="12"/>
+          </p:nvPr>
+        </p:nvSpPr>
+        <p:spPr/>
+        <p:txBody>
+          <a:bodyPr/>
+          <a:lstStyle/>
+          <a:p>
+            <a:fld id="{5ACA52AF-F19D-405C-AD5F-7D94B96A5CC3}" type="slidenum">
+              <a:rPr lang="de-CH" noProof="0" smtClean="0"/>
+              <a:t>5</a:t>
+            </a:fld>
+            <a:endParaRPr lang="de-CH" noProof="0"/>
+          </a:p>
+        </p:txBody>
+      </p:sp>
+      <p:sp>
+        <p:nvSpPr>
+          <p:cNvPr id="8" name="Bildplatzhalter 7">
+            <a:extLst>
+              <a:ext uri="{FF2B5EF4-FFF2-40B4-BE49-F238E27FC236}">
+                <a16:creationId xmlns:a16="http://schemas.microsoft.com/office/drawing/2014/main" id="{35BC9CCF-92D6-0765-8143-88F0B37733FC}"/>
+              </a:ext>
+            </a:extLst>
+          </p:cNvPr>
+          <p:cNvSpPr>
+            <a:spLocks noGrp="1"/>
+          </p:cNvSpPr>
+          <p:nvPr>
+            <p:ph type="pic" sz="quarter" idx="15"/>
+          </p:nvPr>
+        </p:nvSpPr>
+        <p:spPr/>
+        <p:txBody>
+          <a:bodyPr/>
+          <a:lstStyle/>
+          <a:p>
+            <a:endParaRPr lang="de-CH"/>
+          </a:p>
+        </p:txBody>
+      </p:sp>
+    </p:spTree>
+    <p:extLst>
+      <p:ext uri="{BB962C8B-B14F-4D97-AF65-F5344CB8AC3E}">
+        <p14:creationId xmlns:p14="http://schemas.microsoft.com/office/powerpoint/2010/main" val="2539525006"/>
+      </p:ext>
+    </p:extLst>
+  </p:cSld>
+  <p:clrMapOvr>
+    <a:masterClrMapping/>
+  </p:clrMapOvr>
+</p:sld>
+</file>
+
+<file path=ppt/slides/slide6.xml><?xml version="1.0" encoding="utf-8"?>
+<p:sld xmlns:a="http://schemas.openxmlformats.org/drawingml/2006/main" xmlns:r="http://schemas.openxmlformats.org/officeDocument/2006/relationships" xmlns:p="http://schemas.openxmlformats.org/presentationml/2006/main">
+  <p:cSld>
+    <p:spTree>
+      <p:nvGrpSpPr>
+        <p:cNvPr id="1" name=""/>
+        <p:cNvGrpSpPr/>
+        <p:nvPr/>
+      </p:nvGrpSpPr>
+      <p:grpSpPr>
+        <a:xfrm>
+          <a:off x="0" y="0"/>
+          <a:ext cx="0" cy="0"/>
+          <a:chOff x="0" y="0"/>
+          <a:chExt cx="0" cy="0"/>
+        </a:xfrm>
+      </p:grpSpPr>
+      <p:sp>
+        <p:nvSpPr>
+          <p:cNvPr id="2" name="Inhaltsplatzhalter 1">
+            <a:extLst>
+              <a:ext uri="{FF2B5EF4-FFF2-40B4-BE49-F238E27FC236}">
+                <a16:creationId xmlns:a16="http://schemas.microsoft.com/office/drawing/2014/main" id="{9BF50262-23A4-B174-1BB2-2055117A761B}"/>
+              </a:ext>
+            </a:extLst>
+          </p:cNvPr>
+          <p:cNvSpPr>
+            <a:spLocks noGrp="1"/>
+          </p:cNvSpPr>
+          <p:nvPr>
+            <p:ph idx="14"/>
+          </p:nvPr>
+        </p:nvSpPr>
+        <p:spPr/>
+        <p:txBody>
+          <a:bodyPr/>
+          <a:lstStyle/>
+          <a:p>
+            <a:r>
+              <a:rPr lang="de-CH" dirty="0" err="1"/>
+              <a:t>Consistent</a:t>
+            </a:r>
+            <a:r>
+              <a:rPr lang="de-CH" dirty="0"/>
+              <a:t> </a:t>
+            </a:r>
+            <a:r>
+              <a:rPr lang="de-CH" dirty="0" err="1"/>
+              <a:t>coloring</a:t>
+            </a:r>
+            <a:endParaRPr lang="de-CH" dirty="0"/>
+          </a:p>
+          <a:p>
+            <a:pPr marL="0" indent="0">
+              <a:buNone/>
+            </a:pPr>
+            <a:endParaRPr lang="de-CH" dirty="0"/>
+          </a:p>
+        </p:txBody>
+      </p:sp>
+      <p:sp>
+        <p:nvSpPr>
+          <p:cNvPr id="3" name="Titel 2">
+            <a:extLst>
+              <a:ext uri="{FF2B5EF4-FFF2-40B4-BE49-F238E27FC236}">
+                <a16:creationId xmlns:a16="http://schemas.microsoft.com/office/drawing/2014/main" id="{F9F14D9B-1220-D1B3-C603-5F2E409BCB3B}"/>
+              </a:ext>
+            </a:extLst>
+          </p:cNvPr>
+          <p:cNvSpPr>
+            <a:spLocks noGrp="1"/>
+          </p:cNvSpPr>
+          <p:nvPr>
+            <p:ph type="title"/>
+          </p:nvPr>
+        </p:nvSpPr>
+        <p:spPr/>
+        <p:txBody>
+          <a:bodyPr/>
+          <a:lstStyle/>
+          <a:p>
+            <a:r>
+              <a:rPr lang="de-CH" dirty="0"/>
+              <a:t>Design</a:t>
+            </a:r>
+          </a:p>
+        </p:txBody>
+      </p:sp>
+      <p:sp>
+        <p:nvSpPr>
+          <p:cNvPr id="4" name="Inhaltsplatzhalter 3">
+            <a:extLst>
+              <a:ext uri="{FF2B5EF4-FFF2-40B4-BE49-F238E27FC236}">
+                <a16:creationId xmlns:a16="http://schemas.microsoft.com/office/drawing/2014/main" id="{3DDD00ED-661C-71D2-8591-D62104A9897B}"/>
+              </a:ext>
+            </a:extLst>
+          </p:cNvPr>
+          <p:cNvSpPr>
+            <a:spLocks noGrp="1"/>
+          </p:cNvSpPr>
+          <p:nvPr>
+            <p:ph idx="1"/>
+          </p:nvPr>
+        </p:nvSpPr>
+        <p:spPr/>
+        <p:txBody>
+          <a:bodyPr/>
+          <a:lstStyle/>
+          <a:p>
+            <a:endParaRPr lang="de-CH"/>
+          </a:p>
+        </p:txBody>
+      </p:sp>
+      <p:sp>
+        <p:nvSpPr>
+          <p:cNvPr id="5" name="Datumsplatzhalter 4">
+            <a:extLst>
+              <a:ext uri="{FF2B5EF4-FFF2-40B4-BE49-F238E27FC236}">
+                <a16:creationId xmlns:a16="http://schemas.microsoft.com/office/drawing/2014/main" id="{6682A79A-BF13-A07E-96CE-CA9A0B1D080F}"/>
+              </a:ext>
+            </a:extLst>
+          </p:cNvPr>
+          <p:cNvSpPr>
+            <a:spLocks noGrp="1"/>
+          </p:cNvSpPr>
+          <p:nvPr>
+            <p:ph type="dt" sz="half" idx="10"/>
+          </p:nvPr>
+        </p:nvSpPr>
+        <p:spPr/>
+        <p:txBody>
+          <a:bodyPr/>
+          <a:lstStyle/>
+          <a:p>
+            <a:fld id="{84A17A78-631F-4798-873C-E3BC87E12C19}" type="datetime1">
+              <a:rPr lang="de-CH" altLang="zh-CN" noProof="0" smtClean="0"/>
+              <a:t>14.12.2023</a:t>
+            </a:fld>
+            <a:endParaRPr lang="de-CH" noProof="0"/>
+          </a:p>
+        </p:txBody>
+      </p:sp>
+      <p:sp>
+        <p:nvSpPr>
+          <p:cNvPr id="6" name="Fußzeilenplatzhalter 5">
+            <a:extLst>
+              <a:ext uri="{FF2B5EF4-FFF2-40B4-BE49-F238E27FC236}">
+                <a16:creationId xmlns:a16="http://schemas.microsoft.com/office/drawing/2014/main" id="{38F0C906-EA87-FBC0-F4C0-21AC2F474C44}"/>
+              </a:ext>
+            </a:extLst>
+          </p:cNvPr>
+          <p:cNvSpPr>
+            <a:spLocks noGrp="1"/>
+          </p:cNvSpPr>
+          <p:nvPr>
+            <p:ph type="ftr" sz="quarter" idx="11"/>
+          </p:nvPr>
+        </p:nvSpPr>
+        <p:spPr/>
+        <p:txBody>
+          <a:bodyPr/>
+          <a:lstStyle/>
+          <a:p>
+            <a:r>
+              <a:rPr lang="en-US" noProof="0" dirty="0"/>
+              <a:t>GTA, HS 2023, Blaser Christian, Eckert Niklas, Hunziker Carlos, Zemp Estelle</a:t>
+            </a:r>
+            <a:endParaRPr lang="de-CH" noProof="0" dirty="0"/>
+          </a:p>
+        </p:txBody>
+      </p:sp>
+      <p:sp>
+        <p:nvSpPr>
+          <p:cNvPr id="7" name="Foliennummernplatzhalter 6">
+            <a:extLst>
+              <a:ext uri="{FF2B5EF4-FFF2-40B4-BE49-F238E27FC236}">
+                <a16:creationId xmlns:a16="http://schemas.microsoft.com/office/drawing/2014/main" id="{85E322BB-2B53-40F3-BB51-3FC7BF0756D3}"/>
+              </a:ext>
+            </a:extLst>
+          </p:cNvPr>
+          <p:cNvSpPr>
+            <a:spLocks noGrp="1"/>
+          </p:cNvSpPr>
+          <p:nvPr>
+            <p:ph type="sldNum" sz="quarter" idx="12"/>
+          </p:nvPr>
+        </p:nvSpPr>
+        <p:spPr/>
+        <p:txBody>
+          <a:bodyPr/>
+          <a:lstStyle/>
+          <a:p>
+            <a:fld id="{5ACA52AF-F19D-405C-AD5F-7D94B96A5CC3}" type="slidenum">
+              <a:rPr lang="de-CH" noProof="0" smtClean="0"/>
+              <a:t>6</a:t>
+            </a:fld>
+            <a:endParaRPr lang="de-CH" noProof="0"/>
+          </a:p>
+        </p:txBody>
+      </p:sp>
+      <p:sp>
+        <p:nvSpPr>
+          <p:cNvPr id="8" name="Bildplatzhalter 7">
+            <a:extLst>
+              <a:ext uri="{FF2B5EF4-FFF2-40B4-BE49-F238E27FC236}">
+                <a16:creationId xmlns:a16="http://schemas.microsoft.com/office/drawing/2014/main" id="{72DF898E-9813-FD0C-B055-112BCE44AEB5}"/>
+              </a:ext>
+            </a:extLst>
+          </p:cNvPr>
+          <p:cNvSpPr>
+            <a:spLocks noGrp="1"/>
+          </p:cNvSpPr>
+          <p:nvPr>
+            <p:ph type="pic" sz="quarter" idx="15"/>
+          </p:nvPr>
+        </p:nvSpPr>
+        <p:spPr/>
+        <p:txBody>
+          <a:bodyPr/>
+          <a:lstStyle/>
+          <a:p>
+            <a:endParaRPr lang="de-CH"/>
+          </a:p>
+        </p:txBody>
+      </p:sp>
+    </p:spTree>
+    <p:extLst>
+      <p:ext uri="{BB962C8B-B14F-4D97-AF65-F5344CB8AC3E}">
+        <p14:creationId xmlns:p14="http://schemas.microsoft.com/office/powerpoint/2010/main" val="2814345255"/>
       </p:ext>
     </p:extLst>
   </p:cSld>

--- a/final-presentation-GTA8.pptx
+++ b/final-presentation-GTA8.pptx
@@ -8836,7 +8836,7 @@
             </a:pPr>
             <a:r>
               <a:rPr lang="en-US" dirty="0"/>
-              <a:t>Three spotlights:</a:t>
+              <a:t>Two spotlights:</a:t>
             </a:r>
           </a:p>
           <a:p>
@@ -8851,21 +8851,8 @@
             </a:pPr>
             <a:r>
               <a:rPr lang="en-US" dirty="0"/>
-              <a:t>- </a:t>
-            </a:r>
-            <a:r>
-              <a:rPr lang="en-US" dirty="0" err="1"/>
-              <a:t>Vercel</a:t>
-            </a:r>
-            <a:r>
-              <a:rPr lang="en-US" dirty="0"/>
-              <a:t> and </a:t>
-            </a:r>
-            <a:r>
-              <a:rPr lang="en-US" dirty="0" err="1"/>
-              <a:t>Github</a:t>
-            </a:r>
-            <a:endParaRPr lang="en-US" dirty="0"/>
+              <a:t>- Backend </a:t>
+            </a:r>
           </a:p>
           <a:p>
             <a:pPr marL="538537" lvl="2" indent="0">
@@ -8873,16 +8860,7 @@
             </a:pPr>
             <a:r>
               <a:rPr lang="en-US" dirty="0"/>
-              <a:t>- User Guidance</a:t>
-            </a:r>
-          </a:p>
-          <a:p>
-            <a:pPr marL="538537" lvl="2" indent="0">
-              <a:buNone/>
-            </a:pPr>
-            <a:r>
-              <a:rPr lang="en-US" dirty="0"/>
-              <a:t>- Design</a:t>
+              <a:t>- User Guidance and Design</a:t>
             </a:r>
             <a:endParaRPr lang="de-CH" dirty="0"/>
           </a:p>
@@ -8989,68 +8967,35 @@
       </p:grpSpPr>
       <p:sp>
         <p:nvSpPr>
-          <p:cNvPr id="2" name="Inhaltsplatzhalter 1">
-            <a:extLst>
-              <a:ext uri="{FF2B5EF4-FFF2-40B4-BE49-F238E27FC236}">
-                <a16:creationId xmlns:a16="http://schemas.microsoft.com/office/drawing/2014/main" id="{C32355AB-72C2-3AFE-E843-519096A2CCDB}"/>
-              </a:ext>
-            </a:extLst>
-          </p:cNvPr>
-          <p:cNvSpPr>
-            <a:spLocks noGrp="1"/>
-          </p:cNvSpPr>
-          <p:nvPr>
-            <p:ph idx="14"/>
-          </p:nvPr>
-        </p:nvSpPr>
-        <p:spPr/>
-        <p:txBody>
-          <a:bodyPr/>
+          <p:cNvPr id="3" name="Titel 2">
+            <a:extLst>
+              <a:ext uri="{FF2B5EF4-FFF2-40B4-BE49-F238E27FC236}">
+                <a16:creationId xmlns:a16="http://schemas.microsoft.com/office/drawing/2014/main" id="{6BE9557D-D1BC-CD4C-9296-8D49DFCA8879}"/>
+              </a:ext>
+            </a:extLst>
+          </p:cNvPr>
+          <p:cNvSpPr>
+            <a:spLocks noGrp="1"/>
+          </p:cNvSpPr>
+          <p:nvPr>
+            <p:ph type="title"/>
+          </p:nvPr>
+        </p:nvSpPr>
+        <p:spPr>
+          <a:xfrm>
+            <a:off x="731837" y="260351"/>
+            <a:ext cx="10728325" cy="900000"/>
+          </a:xfrm>
+        </p:spPr>
+        <p:txBody>
+          <a:bodyPr anchor="t">
+            <a:normAutofit/>
+          </a:bodyPr>
           <a:lstStyle/>
           <a:p>
             <a:r>
               <a:rPr lang="de-CH" dirty="0"/>
-              <a:t>Connection </a:t>
-            </a:r>
-            <a:r>
-              <a:rPr lang="de-CH" dirty="0" err="1"/>
-              <a:t>of</a:t>
-            </a:r>
-            <a:r>
-              <a:rPr lang="de-CH" dirty="0"/>
-              <a:t> </a:t>
-            </a:r>
-            <a:r>
-              <a:rPr lang="de-CH" dirty="0" err="1"/>
-              <a:t>the</a:t>
-            </a:r>
-            <a:r>
-              <a:rPr lang="de-CH" dirty="0"/>
-              <a:t> GitHub </a:t>
-            </a:r>
-            <a:r>
-              <a:rPr lang="de-CH" dirty="0" err="1"/>
-              <a:t>repository</a:t>
-            </a:r>
-            <a:r>
-              <a:rPr lang="de-CH" dirty="0"/>
-              <a:t> </a:t>
-            </a:r>
-            <a:r>
-              <a:rPr lang="de-CH" dirty="0" err="1"/>
-              <a:t>to</a:t>
-            </a:r>
-            <a:r>
-              <a:rPr lang="de-CH" dirty="0"/>
-              <a:t> </a:t>
-            </a:r>
-            <a:r>
-              <a:rPr lang="de-CH" dirty="0" err="1"/>
-              <a:t>the</a:t>
-            </a:r>
-            <a:r>
-              <a:rPr lang="de-CH" dirty="0"/>
-              <a:t> </a:t>
+              <a:t>Backend: </a:t>
             </a:r>
             <a:r>
               <a:rPr lang="de-CH" dirty="0" err="1"/>
@@ -9058,133 +9003,51 @@
             </a:r>
             <a:r>
               <a:rPr lang="de-CH" dirty="0"/>
-              <a:t> </a:t>
-            </a:r>
-            <a:r>
-              <a:rPr lang="de-CH" dirty="0" err="1"/>
-              <a:t>project</a:t>
-            </a:r>
-            <a:endParaRPr lang="de-CH" dirty="0"/>
-          </a:p>
-          <a:p>
-            <a:endParaRPr lang="de-CH" dirty="0"/>
-          </a:p>
-          <a:p>
-            <a:r>
-              <a:rPr lang="de-CH" dirty="0" err="1"/>
-              <a:t>Automatic</a:t>
-            </a:r>
-            <a:r>
-              <a:rPr lang="de-CH" dirty="0"/>
-              <a:t> </a:t>
-            </a:r>
-            <a:r>
-              <a:rPr lang="de-CH" dirty="0" err="1"/>
-              <a:t>deployment</a:t>
-            </a:r>
-            <a:r>
-              <a:rPr lang="de-CH" dirty="0"/>
-              <a:t> </a:t>
-            </a:r>
-            <a:r>
-              <a:rPr lang="de-CH" dirty="0" err="1"/>
-              <a:t>of</a:t>
-            </a:r>
-            <a:r>
-              <a:rPr lang="de-CH" dirty="0"/>
-              <a:t> </a:t>
-            </a:r>
-            <a:r>
-              <a:rPr lang="de-CH" dirty="0" err="1"/>
-              <a:t>every</a:t>
-            </a:r>
-            <a:r>
-              <a:rPr lang="de-CH" dirty="0"/>
-              <a:t> push in GitHub</a:t>
-            </a:r>
-          </a:p>
-        </p:txBody>
-      </p:sp>
-      <p:sp>
-        <p:nvSpPr>
-          <p:cNvPr id="3" name="Titel 2">
-            <a:extLst>
-              <a:ext uri="{FF2B5EF4-FFF2-40B4-BE49-F238E27FC236}">
-                <a16:creationId xmlns:a16="http://schemas.microsoft.com/office/drawing/2014/main" id="{6BE9557D-D1BC-CD4C-9296-8D49DFCA8879}"/>
-              </a:ext>
-            </a:extLst>
-          </p:cNvPr>
-          <p:cNvSpPr>
-            <a:spLocks noGrp="1"/>
-          </p:cNvSpPr>
-          <p:nvPr>
-            <p:ph type="title"/>
-          </p:nvPr>
-        </p:nvSpPr>
-        <p:spPr/>
-        <p:txBody>
-          <a:bodyPr/>
+              <a:t> and GitHub </a:t>
+            </a:r>
+          </a:p>
+        </p:txBody>
+      </p:sp>
+      <p:sp>
+        <p:nvSpPr>
+          <p:cNvPr id="5" name="Datumsplatzhalter 4">
+            <a:extLst>
+              <a:ext uri="{FF2B5EF4-FFF2-40B4-BE49-F238E27FC236}">
+                <a16:creationId xmlns:a16="http://schemas.microsoft.com/office/drawing/2014/main" id="{EEA10D7F-553D-B90F-F54E-C026FAFE1336}"/>
+              </a:ext>
+            </a:extLst>
+          </p:cNvPr>
+          <p:cNvSpPr>
+            <a:spLocks noGrp="1"/>
+          </p:cNvSpPr>
+          <p:nvPr>
+            <p:ph type="dt" sz="half" idx="10"/>
+          </p:nvPr>
+        </p:nvSpPr>
+        <p:spPr>
+          <a:xfrm>
+            <a:off x="10473692" y="6522444"/>
+            <a:ext cx="612000" cy="216000"/>
+          </a:xfrm>
+        </p:spPr>
+        <p:txBody>
+          <a:bodyPr anchor="ctr">
+            <a:normAutofit/>
+          </a:bodyPr>
           <a:lstStyle/>
           <a:p>
-            <a:r>
-              <a:rPr lang="de-CH" dirty="0" err="1"/>
-              <a:t>Vercel</a:t>
-            </a:r>
-            <a:r>
-              <a:rPr lang="de-CH" dirty="0"/>
-              <a:t> and GitHub</a:t>
-            </a:r>
-          </a:p>
-        </p:txBody>
-      </p:sp>
-      <p:sp>
-        <p:nvSpPr>
-          <p:cNvPr id="4" name="Inhaltsplatzhalter 3">
-            <a:extLst>
-              <a:ext uri="{FF2B5EF4-FFF2-40B4-BE49-F238E27FC236}">
-                <a16:creationId xmlns:a16="http://schemas.microsoft.com/office/drawing/2014/main" id="{457C0E96-FBB7-367E-F4D6-E49FE8EF660C}"/>
-              </a:ext>
-            </a:extLst>
-          </p:cNvPr>
-          <p:cNvSpPr>
-            <a:spLocks noGrp="1"/>
-          </p:cNvSpPr>
-          <p:nvPr>
-            <p:ph idx="1"/>
-          </p:nvPr>
-        </p:nvSpPr>
-        <p:spPr/>
-        <p:txBody>
-          <a:bodyPr/>
-          <a:lstStyle/>
-          <a:p>
-            <a:endParaRPr lang="de-CH"/>
-          </a:p>
-        </p:txBody>
-      </p:sp>
-      <p:sp>
-        <p:nvSpPr>
-          <p:cNvPr id="5" name="Datumsplatzhalter 4">
-            <a:extLst>
-              <a:ext uri="{FF2B5EF4-FFF2-40B4-BE49-F238E27FC236}">
-                <a16:creationId xmlns:a16="http://schemas.microsoft.com/office/drawing/2014/main" id="{EEA10D7F-553D-B90F-F54E-C026FAFE1336}"/>
-              </a:ext>
-            </a:extLst>
-          </p:cNvPr>
-          <p:cNvSpPr>
-            <a:spLocks noGrp="1"/>
-          </p:cNvSpPr>
-          <p:nvPr>
-            <p:ph type="dt" sz="half" idx="10"/>
-          </p:nvPr>
-        </p:nvSpPr>
-        <p:spPr/>
-        <p:txBody>
-          <a:bodyPr/>
-          <a:lstStyle/>
-          <a:p>
+            <a:pPr>
+              <a:spcAft>
+                <a:spcPts val="600"/>
+              </a:spcAft>
+            </a:pPr>
             <a:fld id="{84A17A78-631F-4798-873C-E3BC87E12C19}" type="datetime1">
               <a:rPr lang="de-CH" altLang="zh-CN" noProof="0" smtClean="0"/>
+              <a:pPr>
+                <a:spcAft>
+                  <a:spcPts val="600"/>
+                </a:spcAft>
+              </a:pPr>
               <a:t>14.12.2023</a:t>
             </a:fld>
             <a:endParaRPr lang="de-CH" noProof="0"/>
@@ -9207,16 +9070,28 @@
             <p:ph type="ftr" sz="quarter" idx="11"/>
           </p:nvPr>
         </p:nvSpPr>
-        <p:spPr/>
-        <p:txBody>
-          <a:bodyPr/>
+        <p:spPr>
+          <a:xfrm>
+            <a:off x="2171700" y="6522444"/>
+            <a:ext cx="5400000" cy="216000"/>
+          </a:xfrm>
+        </p:spPr>
+        <p:txBody>
+          <a:bodyPr anchor="ctr">
+            <a:normAutofit/>
+          </a:bodyPr>
           <a:lstStyle/>
           <a:p>
+            <a:pPr>
+              <a:spcAft>
+                <a:spcPts val="600"/>
+              </a:spcAft>
+            </a:pPr>
             <a:r>
               <a:rPr lang="en-US" noProof="0" dirty="0"/>
               <a:t>GTA, HS 2023, Blaser Christian, Eckert Niklas, Hunziker Carlos, Zemp Estelle</a:t>
             </a:r>
-            <a:endParaRPr lang="de-CH" noProof="0" dirty="0"/>
+            <a:endParaRPr lang="de-CH" noProof="0"/>
           </a:p>
         </p:txBody>
       </p:sp>
@@ -9236,41 +9111,403 @@
             <p:ph type="sldNum" sz="quarter" idx="12"/>
           </p:nvPr>
         </p:nvSpPr>
-        <p:spPr/>
-        <p:txBody>
-          <a:bodyPr/>
+        <p:spPr>
+          <a:xfrm>
+            <a:off x="11137585" y="6522444"/>
+            <a:ext cx="322577" cy="216000"/>
+          </a:xfrm>
+        </p:spPr>
+        <p:txBody>
+          <a:bodyPr anchor="ctr">
+            <a:normAutofit/>
+          </a:bodyPr>
           <a:lstStyle/>
           <a:p>
+            <a:pPr>
+              <a:spcAft>
+                <a:spcPts val="600"/>
+              </a:spcAft>
+            </a:pPr>
             <a:fld id="{5ACA52AF-F19D-405C-AD5F-7D94B96A5CC3}" type="slidenum">
               <a:rPr lang="de-CH" noProof="0" smtClean="0"/>
+              <a:pPr>
+                <a:spcAft>
+                  <a:spcPts val="600"/>
+                </a:spcAft>
+              </a:pPr>
               <a:t>4</a:t>
             </a:fld>
             <a:endParaRPr lang="de-CH" noProof="0"/>
           </a:p>
         </p:txBody>
       </p:sp>
-      <p:sp>
-        <p:nvSpPr>
-          <p:cNvPr id="8" name="Bildplatzhalter 7">
-            <a:extLst>
-              <a:ext uri="{FF2B5EF4-FFF2-40B4-BE49-F238E27FC236}">
-                <a16:creationId xmlns:a16="http://schemas.microsoft.com/office/drawing/2014/main" id="{940A1BAD-56FA-999D-4464-E41E22B221E6}"/>
-              </a:ext>
-            </a:extLst>
-          </p:cNvPr>
-          <p:cNvSpPr>
-            <a:spLocks noGrp="1"/>
-          </p:cNvSpPr>
-          <p:nvPr>
-            <p:ph type="pic" sz="quarter" idx="15"/>
-          </p:nvPr>
-        </p:nvSpPr>
-        <p:spPr/>
-        <p:txBody>
-          <a:bodyPr/>
-          <a:lstStyle/>
-          <a:p>
-            <a:endParaRPr lang="de-CH"/>
+      <p:pic>
+        <p:nvPicPr>
+          <p:cNvPr id="10" name="Bildplatzhalter 9" descr="Ein Bild, das Text, Diagramm, Screenshot, Plan enthält.&#10;&#10;Automatisch generierte Beschreibung">
+            <a:extLst>
+              <a:ext uri="{FF2B5EF4-FFF2-40B4-BE49-F238E27FC236}">
+                <a16:creationId xmlns:a16="http://schemas.microsoft.com/office/drawing/2014/main" id="{7E8A7D6F-9657-BEC8-A5AF-185822FE078A}"/>
+              </a:ext>
+            </a:extLst>
+          </p:cNvPr>
+          <p:cNvPicPr>
+            <a:picLocks noGrp="1" noChangeAspect="1"/>
+          </p:cNvPicPr>
+          <p:nvPr>
+            <p:ph type="pic" sz="quarter" idx="13"/>
+          </p:nvPr>
+        </p:nvPicPr>
+        <p:blipFill rotWithShape="1">
+          <a:blip r:embed="rId2">
+            <a:extLst>
+              <a:ext uri="{28A0092B-C50C-407E-A947-70E740481C1C}">
+                <a14:useLocalDpi xmlns:a14="http://schemas.microsoft.com/office/drawing/2010/main" val="0"/>
+              </a:ext>
+            </a:extLst>
+          </a:blip>
+          <a:srcRect l="185" r="-3" b="-3"/>
+          <a:stretch/>
+        </p:blipFill>
+        <p:spPr>
+          <a:xfrm>
+            <a:off x="6552508" y="1162506"/>
+            <a:ext cx="5040000" cy="4860000"/>
+          </a:xfrm>
+          <a:noFill/>
+        </p:spPr>
+      </p:pic>
+      <p:sp>
+        <p:nvSpPr>
+          <p:cNvPr id="13" name="Inhaltsplatzhalter 1">
+            <a:extLst>
+              <a:ext uri="{FF2B5EF4-FFF2-40B4-BE49-F238E27FC236}">
+                <a16:creationId xmlns:a16="http://schemas.microsoft.com/office/drawing/2014/main" id="{726D5233-962C-B362-E704-6E350AF48E64}"/>
+              </a:ext>
+            </a:extLst>
+          </p:cNvPr>
+          <p:cNvSpPr txBox="1">
+            <a:spLocks/>
+          </p:cNvSpPr>
+          <p:nvPr/>
+        </p:nvSpPr>
+        <p:spPr>
+          <a:xfrm>
+            <a:off x="731838" y="1412875"/>
+            <a:ext cx="5256000" cy="4860000"/>
+          </a:xfrm>
+          <a:prstGeom prst="rect">
+            <a:avLst/>
+          </a:prstGeom>
+        </p:spPr>
+        <p:txBody>
+          <a:bodyPr vert="horz" lIns="0" tIns="0" rIns="0" bIns="0" rtlCol="0">
+            <a:normAutofit/>
+          </a:bodyPr>
+          <a:lstStyle>
+            <a:lvl1pPr marL="270000" indent="-270000" algn="l" defTabSz="914400" rtl="0" eaLnBrk="1" latinLnBrk="0" hangingPunct="1">
+              <a:lnSpc>
+                <a:spcPct val="100000"/>
+              </a:lnSpc>
+              <a:spcBef>
+                <a:spcPts val="1000"/>
+              </a:spcBef>
+              <a:buFont typeface="Arial" panose="020B0604020202020204" pitchFamily="34" charset="0"/>
+              <a:buChar char="•"/>
+              <a:defRPr sz="1800" kern="1200">
+                <a:solidFill>
+                  <a:schemeClr val="tx1"/>
+                </a:solidFill>
+                <a:latin typeface="+mn-lt"/>
+                <a:ea typeface="+mn-ea"/>
+                <a:cs typeface="+mn-cs"/>
+              </a:defRPr>
+            </a:lvl1pPr>
+            <a:lvl2pPr marL="538163" indent="-271463" algn="l" defTabSz="914400" rtl="0" eaLnBrk="1" latinLnBrk="0" hangingPunct="1">
+              <a:lnSpc>
+                <a:spcPct val="100000"/>
+              </a:lnSpc>
+              <a:spcBef>
+                <a:spcPts val="500"/>
+              </a:spcBef>
+              <a:buFont typeface="Symbol" panose="05050102010706020507" pitchFamily="18" charset="2"/>
+              <a:buChar char="-"/>
+              <a:defRPr sz="1800" kern="1200">
+                <a:solidFill>
+                  <a:schemeClr val="tx1"/>
+                </a:solidFill>
+                <a:latin typeface="+mn-lt"/>
+                <a:ea typeface="+mn-ea"/>
+                <a:cs typeface="+mn-cs"/>
+              </a:defRPr>
+            </a:lvl2pPr>
+            <a:lvl3pPr marL="810000" indent="-270000" algn="l" defTabSz="914400" rtl="0" eaLnBrk="1" latinLnBrk="0" hangingPunct="1">
+              <a:lnSpc>
+                <a:spcPct val="100000"/>
+              </a:lnSpc>
+              <a:spcBef>
+                <a:spcPts val="500"/>
+              </a:spcBef>
+              <a:buFont typeface="Symbol" panose="05050102010706020507" pitchFamily="18" charset="2"/>
+              <a:buChar char="-"/>
+              <a:defRPr sz="1800" kern="1200">
+                <a:solidFill>
+                  <a:schemeClr val="tx1"/>
+                </a:solidFill>
+                <a:latin typeface="+mn-lt"/>
+                <a:ea typeface="+mn-ea"/>
+                <a:cs typeface="+mn-cs"/>
+              </a:defRPr>
+            </a:lvl3pPr>
+            <a:lvl4pPr marL="1080000" indent="-271463" algn="l" defTabSz="914400" rtl="0" eaLnBrk="1" latinLnBrk="0" hangingPunct="1">
+              <a:lnSpc>
+                <a:spcPct val="100000"/>
+              </a:lnSpc>
+              <a:spcBef>
+                <a:spcPts val="500"/>
+              </a:spcBef>
+              <a:buFont typeface="Symbol" panose="05050102010706020507" pitchFamily="18" charset="2"/>
+              <a:buChar char="-"/>
+              <a:defRPr sz="1800" kern="1200">
+                <a:solidFill>
+                  <a:schemeClr val="tx1"/>
+                </a:solidFill>
+                <a:latin typeface="+mn-lt"/>
+                <a:ea typeface="+mn-ea"/>
+                <a:cs typeface="+mn-cs"/>
+              </a:defRPr>
+            </a:lvl4pPr>
+            <a:lvl5pPr marL="1350000" indent="-270000" algn="l" defTabSz="914400" rtl="0" eaLnBrk="1" latinLnBrk="0" hangingPunct="1">
+              <a:lnSpc>
+                <a:spcPct val="100000"/>
+              </a:lnSpc>
+              <a:spcBef>
+                <a:spcPts val="500"/>
+              </a:spcBef>
+              <a:buFont typeface="Symbol" panose="05050102010706020507" pitchFamily="18" charset="2"/>
+              <a:buChar char="-"/>
+              <a:defRPr sz="1800" kern="1200">
+                <a:solidFill>
+                  <a:schemeClr val="tx1"/>
+                </a:solidFill>
+                <a:latin typeface="+mn-lt"/>
+                <a:ea typeface="+mn-ea"/>
+                <a:cs typeface="+mn-cs"/>
+              </a:defRPr>
+            </a:lvl5pPr>
+            <a:lvl6pPr marL="2514600" indent="-228600" algn="l" defTabSz="914400" rtl="0" eaLnBrk="1" latinLnBrk="0" hangingPunct="1">
+              <a:lnSpc>
+                <a:spcPct val="90000"/>
+              </a:lnSpc>
+              <a:spcBef>
+                <a:spcPts val="500"/>
+              </a:spcBef>
+              <a:buFont typeface="Arial" panose="020B0604020202020204" pitchFamily="34" charset="0"/>
+              <a:buChar char="•"/>
+              <a:defRPr sz="1800" kern="1200">
+                <a:solidFill>
+                  <a:schemeClr val="tx1"/>
+                </a:solidFill>
+                <a:latin typeface="+mn-lt"/>
+                <a:ea typeface="+mn-ea"/>
+                <a:cs typeface="+mn-cs"/>
+              </a:defRPr>
+            </a:lvl6pPr>
+            <a:lvl7pPr marL="2971800" indent="-228600" algn="l" defTabSz="914400" rtl="0" eaLnBrk="1" latinLnBrk="0" hangingPunct="1">
+              <a:lnSpc>
+                <a:spcPct val="90000"/>
+              </a:lnSpc>
+              <a:spcBef>
+                <a:spcPts val="500"/>
+              </a:spcBef>
+              <a:buFont typeface="Arial" panose="020B0604020202020204" pitchFamily="34" charset="0"/>
+              <a:buChar char="•"/>
+              <a:defRPr sz="1800" kern="1200">
+                <a:solidFill>
+                  <a:schemeClr val="tx1"/>
+                </a:solidFill>
+                <a:latin typeface="+mn-lt"/>
+                <a:ea typeface="+mn-ea"/>
+                <a:cs typeface="+mn-cs"/>
+              </a:defRPr>
+            </a:lvl7pPr>
+            <a:lvl8pPr marL="3429000" indent="-228600" algn="l" defTabSz="914400" rtl="0" eaLnBrk="1" latinLnBrk="0" hangingPunct="1">
+              <a:lnSpc>
+                <a:spcPct val="90000"/>
+              </a:lnSpc>
+              <a:spcBef>
+                <a:spcPts val="500"/>
+              </a:spcBef>
+              <a:buFont typeface="Arial" panose="020B0604020202020204" pitchFamily="34" charset="0"/>
+              <a:buChar char="•"/>
+              <a:defRPr sz="1800" kern="1200">
+                <a:solidFill>
+                  <a:schemeClr val="tx1"/>
+                </a:solidFill>
+                <a:latin typeface="+mn-lt"/>
+                <a:ea typeface="+mn-ea"/>
+                <a:cs typeface="+mn-cs"/>
+              </a:defRPr>
+            </a:lvl8pPr>
+            <a:lvl9pPr marL="3886200" indent="-228600" algn="l" defTabSz="914400" rtl="0" eaLnBrk="1" latinLnBrk="0" hangingPunct="1">
+              <a:lnSpc>
+                <a:spcPct val="90000"/>
+              </a:lnSpc>
+              <a:spcBef>
+                <a:spcPts val="500"/>
+              </a:spcBef>
+              <a:buFont typeface="Arial" panose="020B0604020202020204" pitchFamily="34" charset="0"/>
+              <a:buChar char="•"/>
+              <a:defRPr sz="1800" kern="1200">
+                <a:solidFill>
+                  <a:schemeClr val="tx1"/>
+                </a:solidFill>
+                <a:latin typeface="+mn-lt"/>
+                <a:ea typeface="+mn-ea"/>
+                <a:cs typeface="+mn-cs"/>
+              </a:defRPr>
+            </a:lvl9pPr>
+          </a:lstStyle>
+          <a:p>
+            <a:pPr marL="0" indent="0">
+              <a:buNone/>
+            </a:pPr>
+            <a:r>
+              <a:rPr lang="en-US" dirty="0"/>
+              <a:t>Processing</a:t>
+            </a:r>
+          </a:p>
+          <a:p>
+            <a:r>
+              <a:rPr lang="en-US" dirty="0" err="1"/>
+              <a:t>Linestring</a:t>
+            </a:r>
+            <a:r>
+              <a:rPr lang="en-US" dirty="0"/>
+              <a:t>…</a:t>
+            </a:r>
+          </a:p>
+          <a:p>
+            <a:pPr marL="0" indent="0">
+              <a:buNone/>
+            </a:pPr>
+            <a:endParaRPr lang="en-US" dirty="0"/>
+          </a:p>
+          <a:p>
+            <a:pPr marL="0" indent="0">
+              <a:buNone/>
+            </a:pPr>
+            <a:endParaRPr lang="en-US" dirty="0"/>
+          </a:p>
+          <a:p>
+            <a:pPr marL="0" indent="0">
+              <a:buNone/>
+            </a:pPr>
+            <a:r>
+              <a:rPr lang="en-US" dirty="0" err="1"/>
+              <a:t>Vercel</a:t>
+            </a:r>
+            <a:r>
+              <a:rPr lang="en-US" dirty="0"/>
+              <a:t> and </a:t>
+            </a:r>
+            <a:r>
+              <a:rPr lang="en-US" dirty="0" err="1"/>
+              <a:t>Github</a:t>
+            </a:r>
+            <a:endParaRPr lang="de-CH" dirty="0"/>
+          </a:p>
+          <a:p>
+            <a:r>
+              <a:rPr lang="de-CH" dirty="0"/>
+              <a:t>Connection </a:t>
+            </a:r>
+            <a:r>
+              <a:rPr lang="de-CH" dirty="0" err="1"/>
+              <a:t>of</a:t>
+            </a:r>
+            <a:r>
+              <a:rPr lang="de-CH" dirty="0"/>
+              <a:t> </a:t>
+            </a:r>
+            <a:r>
+              <a:rPr lang="de-CH" dirty="0" err="1"/>
+              <a:t>the</a:t>
+            </a:r>
+            <a:r>
+              <a:rPr lang="de-CH" dirty="0"/>
+              <a:t> GitHub </a:t>
+            </a:r>
+            <a:r>
+              <a:rPr lang="de-CH" dirty="0" err="1"/>
+              <a:t>repository</a:t>
+            </a:r>
+            <a:r>
+              <a:rPr lang="de-CH" dirty="0"/>
+              <a:t> </a:t>
+            </a:r>
+            <a:r>
+              <a:rPr lang="de-CH" dirty="0" err="1"/>
+              <a:t>to</a:t>
+            </a:r>
+            <a:r>
+              <a:rPr lang="de-CH" dirty="0"/>
+              <a:t> </a:t>
+            </a:r>
+            <a:r>
+              <a:rPr lang="de-CH" dirty="0" err="1"/>
+              <a:t>the</a:t>
+            </a:r>
+            <a:r>
+              <a:rPr lang="de-CH" dirty="0"/>
+              <a:t> </a:t>
+            </a:r>
+            <a:r>
+              <a:rPr lang="de-CH" dirty="0" err="1"/>
+              <a:t>Vercel</a:t>
+            </a:r>
+            <a:r>
+              <a:rPr lang="de-CH" dirty="0"/>
+              <a:t> </a:t>
+            </a:r>
+            <a:r>
+              <a:rPr lang="de-CH" dirty="0" err="1"/>
+              <a:t>project</a:t>
+            </a:r>
+            <a:endParaRPr lang="de-CH" dirty="0"/>
+          </a:p>
+          <a:p>
+            <a:r>
+              <a:rPr lang="de-CH" dirty="0" err="1"/>
+              <a:t>Automatic</a:t>
+            </a:r>
+            <a:r>
+              <a:rPr lang="de-CH" dirty="0"/>
+              <a:t> </a:t>
+            </a:r>
+            <a:r>
+              <a:rPr lang="de-CH" dirty="0" err="1"/>
+              <a:t>deployment</a:t>
+            </a:r>
+            <a:r>
+              <a:rPr lang="de-CH" dirty="0"/>
+              <a:t> </a:t>
+            </a:r>
+            <a:r>
+              <a:rPr lang="de-CH" dirty="0" err="1"/>
+              <a:t>of</a:t>
+            </a:r>
+            <a:r>
+              <a:rPr lang="de-CH" dirty="0"/>
+              <a:t> </a:t>
+            </a:r>
+            <a:r>
+              <a:rPr lang="de-CH" dirty="0" err="1"/>
+              <a:t>every</a:t>
+            </a:r>
+            <a:r>
+              <a:rPr lang="de-CH" dirty="0"/>
+              <a:t> push in GitHub</a:t>
+            </a:r>
           </a:p>
         </p:txBody>
       </p:sp>
@@ -9337,6 +9574,30 @@
             </a:r>
           </a:p>
           <a:p>
+            <a:endParaRPr lang="en-US" dirty="0"/>
+          </a:p>
+          <a:p>
+            <a:r>
+              <a:rPr lang="de-CH" dirty="0" err="1"/>
+              <a:t>consistent</a:t>
+            </a:r>
+            <a:r>
+              <a:rPr lang="de-CH" dirty="0"/>
+              <a:t> </a:t>
+            </a:r>
+            <a:r>
+              <a:rPr lang="de-CH" dirty="0" err="1"/>
+              <a:t>coloring</a:t>
+            </a:r>
+            <a:endParaRPr lang="de-CH" dirty="0"/>
+          </a:p>
+          <a:p>
+            <a:pPr marL="0" indent="0">
+              <a:buNone/>
+            </a:pPr>
+            <a:endParaRPr lang="en-US" dirty="0"/>
+          </a:p>
+          <a:p>
             <a:endParaRPr lang="de-CH" dirty="0"/>
           </a:p>
         </p:txBody>
@@ -9370,7 +9631,10 @@
               <a:rPr lang="de-CH" dirty="0" err="1"/>
               <a:t>Guidance</a:t>
             </a:r>
-            <a:endParaRPr lang="de-CH" dirty="0"/>
+            <a:r>
+              <a:rPr lang="de-CH" dirty="0"/>
+              <a:t> and Design</a:t>
+            </a:r>
           </a:p>
         </p:txBody>
       </p:sp>
@@ -9562,25 +9826,13 @@
           <a:bodyPr/>
           <a:lstStyle/>
           <a:p>
-            <a:r>
-              <a:rPr lang="de-CH" dirty="0" err="1"/>
-              <a:t>Consistent</a:t>
-            </a:r>
-            <a:r>
-              <a:rPr lang="de-CH" dirty="0"/>
-              <a:t> </a:t>
-            </a:r>
-            <a:r>
-              <a:rPr lang="de-CH" dirty="0" err="1"/>
-              <a:t>coloring</a:t>
-            </a:r>
-            <a:endParaRPr lang="de-CH" dirty="0"/>
-          </a:p>
-          <a:p>
             <a:pPr marL="0" indent="0">
               <a:buNone/>
             </a:pPr>
-            <a:endParaRPr lang="de-CH" dirty="0"/>
+            <a:r>
+              <a:rPr lang="de-CH" dirty="0"/>
+              <a:t>[QR-Code zu Website]</a:t>
+            </a:r>
           </a:p>
         </p:txBody>
       </p:sp>
@@ -9606,8 +9858,28 @@
           <a:lstStyle/>
           <a:p>
             <a:r>
+              <a:rPr lang="de-CH" dirty="0" err="1"/>
+              <a:t>Have</a:t>
+            </a:r>
+            <a:r>
               <a:rPr lang="de-CH" dirty="0"/>
-              <a:t>Design</a:t>
+              <a:t> </a:t>
+            </a:r>
+            <a:r>
+              <a:rPr lang="de-CH" dirty="0" err="1"/>
+              <a:t>fun</a:t>
+            </a:r>
+            <a:r>
+              <a:rPr lang="de-CH" dirty="0"/>
+              <a:t> </a:t>
+            </a:r>
+            <a:r>
+              <a:rPr lang="de-CH" dirty="0" err="1"/>
+              <a:t>exploring</a:t>
+            </a:r>
+            <a:r>
+              <a:rPr lang="de-CH" dirty="0"/>
+              <a:t>!</a:t>
             </a:r>
           </a:p>
         </p:txBody>

--- a/final-presentation-GTA8.pptx
+++ b/final-presentation-GTA8.pptx
@@ -231,7 +231,7 @@
           <a:p>
             <a:fld id="{F68ABEA4-9216-4FDF-AAE1-D8632908A8EC}" type="datetimeFigureOut">
               <a:rPr lang="de-CH" smtClean="0"/>
-              <a:t>14.12.2023</a:t>
+              <a:t>14.12.23</a:t>
             </a:fld>
             <a:endParaRPr lang="de-CH"/>
           </a:p>
@@ -408,7 +408,7 @@
           <a:p>
             <a:fld id="{4B78A90D-FE7E-41AF-B03D-808D82937CB9}" type="datetimeFigureOut">
               <a:rPr lang="de-CH" smtClean="0"/>
-              <a:t>14.12.2023</a:t>
+              <a:t>14.12.23</a:t>
             </a:fld>
             <a:endParaRPr lang="de-CH"/>
           </a:p>
@@ -1105,7 +1105,7 @@
           <a:p>
             <a:fld id="{529A5478-44C9-47A9-A50E-ACE4E396860E}" type="datetime1">
               <a:rPr lang="de-CH" altLang="zh-CN" noProof="0" smtClean="0"/>
-              <a:t>14.12.2023</a:t>
+              <a:t>14.12.23</a:t>
             </a:fld>
             <a:endParaRPr lang="de-CH" noProof="0"/>
           </a:p>
@@ -1300,7 +1300,7 @@
           <a:p>
             <a:fld id="{8242212C-66F0-47FB-AD78-EDC595463110}" type="datetime1">
               <a:rPr lang="de-CH" altLang="zh-CN" noProof="0" smtClean="0"/>
-              <a:t>14.12.2023</a:t>
+              <a:t>14.12.23</a:t>
             </a:fld>
             <a:endParaRPr lang="de-CH" noProof="0"/>
           </a:p>
@@ -1587,7 +1587,7 @@
           <a:p>
             <a:fld id="{AA60137E-CD38-47BC-81E0-5CAD45CC1AF1}" type="datetime1">
               <a:rPr lang="de-CH" altLang="zh-CN" noProof="0" smtClean="0"/>
-              <a:t>14.12.2023</a:t>
+              <a:t>14.12.23</a:t>
             </a:fld>
             <a:endParaRPr lang="de-CH" noProof="0"/>
           </a:p>
@@ -1948,7 +1948,7 @@
           <a:p>
             <a:fld id="{A431FA2D-E68F-4F0F-A780-CFC47013B714}" type="datetime1">
               <a:rPr lang="de-CH" altLang="zh-CN" noProof="0" smtClean="0"/>
-              <a:t>14.12.2023</a:t>
+              <a:t>14.12.23</a:t>
             </a:fld>
             <a:endParaRPr lang="de-CH" noProof="0"/>
           </a:p>
@@ -2270,7 +2270,7 @@
           <a:p>
             <a:fld id="{84A17A78-631F-4798-873C-E3BC87E12C19}" type="datetime1">
               <a:rPr lang="de-CH" altLang="zh-CN" noProof="0" smtClean="0"/>
-              <a:t>14.12.2023</a:t>
+              <a:t>14.12.23</a:t>
             </a:fld>
             <a:endParaRPr lang="de-CH" noProof="0"/>
           </a:p>
@@ -2560,7 +2560,7 @@
           <a:p>
             <a:fld id="{1DE6F282-D61B-4B91-9E52-E22C27686736}" type="datetime1">
               <a:rPr lang="de-CH" altLang="zh-CN" noProof="0" smtClean="0"/>
-              <a:t>14.12.2023</a:t>
+              <a:t>14.12.23</a:t>
             </a:fld>
             <a:endParaRPr lang="de-CH" noProof="0"/>
           </a:p>
@@ -2960,7 +2960,7 @@
           <a:p>
             <a:fld id="{1FE33DFF-66A8-4848-BDF5-B748963C3EA1}" type="datetime1">
               <a:rPr lang="de-CH" altLang="zh-CN" noProof="0" smtClean="0"/>
-              <a:t>14.12.2023</a:t>
+              <a:t>14.12.23</a:t>
             </a:fld>
             <a:endParaRPr lang="de-CH" noProof="0"/>
           </a:p>
@@ -3328,7 +3328,7 @@
           <a:p>
             <a:fld id="{5C6AB5B1-E32A-44F1-810B-E5B22B667C23}" type="datetime1">
               <a:rPr lang="de-CH" altLang="zh-CN" noProof="0" smtClean="0"/>
-              <a:t>14.12.2023</a:t>
+              <a:t>14.12.23</a:t>
             </a:fld>
             <a:endParaRPr lang="de-CH" noProof="0"/>
           </a:p>
@@ -5233,7 +5233,7 @@
           <a:p>
             <a:fld id="{71351BE9-D1B1-450C-9E09-0EFB736E9019}" type="datetime1">
               <a:rPr lang="de-CH" altLang="zh-CN" noProof="0" smtClean="0"/>
-              <a:t>14.12.2023</a:t>
+              <a:t>14.12.23</a:t>
             </a:fld>
             <a:endParaRPr lang="de-CH" noProof="0"/>
           </a:p>
@@ -5476,7 +5476,7 @@
           <a:p>
             <a:fld id="{64B38C6C-E0AF-42C1-825A-E41D0C7D5453}" type="datetime1">
               <a:rPr lang="de-CH" altLang="zh-CN" noProof="0" smtClean="0"/>
-              <a:t>14.12.2023</a:t>
+              <a:t>14.12.23</a:t>
             </a:fld>
             <a:endParaRPr lang="de-CH" noProof="0"/>
           </a:p>
@@ -5724,7 +5724,7 @@
           <a:p>
             <a:fld id="{6EFA91BA-40EA-48F2-AAA2-BB2A97EABA4B}" type="datetime1">
               <a:rPr lang="de-CH" altLang="zh-CN" noProof="0" smtClean="0"/>
-              <a:t>14.12.2023</a:t>
+              <a:t>14.12.23</a:t>
             </a:fld>
             <a:endParaRPr lang="de-CH" noProof="0"/>
           </a:p>
@@ -6000,7 +6000,7 @@
           <a:p>
             <a:fld id="{1C509AF0-7793-4B69-A4D8-57B297D87DE3}" type="datetime1">
               <a:rPr lang="de-CH" altLang="zh-CN" noProof="0" smtClean="0"/>
-              <a:t>14.12.2023</a:t>
+              <a:t>14.12.23</a:t>
             </a:fld>
             <a:endParaRPr lang="de-CH" noProof="0"/>
           </a:p>
@@ -7931,7 +7931,7 @@
           <a:p>
             <a:fld id="{9B0A27C7-4D4D-4A0D-ACD9-E72FFE4387D7}" type="datetime1">
               <a:rPr lang="de-CH" altLang="zh-CN" noProof="0" smtClean="0"/>
-              <a:t>14.12.2023</a:t>
+              <a:t>14.12.23</a:t>
             </a:fld>
             <a:endParaRPr lang="de-CH" noProof="0"/>
           </a:p>
@@ -8648,7 +8648,7 @@
           <a:p>
             <a:fld id="{3BD06BEC-4893-404C-8A2C-279EE224BC79}" type="datetime1">
               <a:rPr lang="de-CH" altLang="zh-CN" noProof="0" smtClean="0"/>
-              <a:t>14.12.2023</a:t>
+              <a:t>14.12.23</a:t>
             </a:fld>
             <a:endParaRPr lang="de-CH" noProof="0"/>
           </a:p>
@@ -8883,7 +8883,7 @@
           <a:p>
             <a:fld id="{742364D9-2DEC-45E7-AA9E-A047B011767C}" type="datetime1">
               <a:rPr lang="de-CH" altLang="zh-CN" noProof="0" smtClean="0"/>
-              <a:t>14.12.2023</a:t>
+              <a:t>14.12.23</a:t>
             </a:fld>
             <a:endParaRPr lang="de-CH" noProof="0"/>
           </a:p>
@@ -9048,7 +9048,7 @@
                   <a:spcPts val="600"/>
                 </a:spcAft>
               </a:pPr>
-              <a:t>14.12.2023</a:t>
+              <a:t>14.12.23</a:t>
             </a:fld>
             <a:endParaRPr lang="de-CH" noProof="0"/>
           </a:p>
@@ -9686,7 +9686,7 @@
           <a:p>
             <a:fld id="{84A17A78-631F-4798-873C-E3BC87E12C19}" type="datetime1">
               <a:rPr lang="de-CH" altLang="zh-CN" noProof="0" smtClean="0"/>
-              <a:t>14.12.2023</a:t>
+              <a:t>14.12.23</a:t>
             </a:fld>
             <a:endParaRPr lang="de-CH" noProof="0"/>
           </a:p>
@@ -9807,18 +9807,18 @@
       </p:grpSpPr>
       <p:sp>
         <p:nvSpPr>
-          <p:cNvPr id="2" name="Inhaltsplatzhalter 1">
-            <a:extLst>
-              <a:ext uri="{FF2B5EF4-FFF2-40B4-BE49-F238E27FC236}">
-                <a16:creationId xmlns:a16="http://schemas.microsoft.com/office/drawing/2014/main" id="{9BF50262-23A4-B174-1BB2-2055117A761B}"/>
-              </a:ext>
-            </a:extLst>
-          </p:cNvPr>
-          <p:cNvSpPr>
-            <a:spLocks noGrp="1"/>
-          </p:cNvSpPr>
-          <p:nvPr>
-            <p:ph idx="14"/>
+          <p:cNvPr id="3" name="Titel 2">
+            <a:extLst>
+              <a:ext uri="{FF2B5EF4-FFF2-40B4-BE49-F238E27FC236}">
+                <a16:creationId xmlns:a16="http://schemas.microsoft.com/office/drawing/2014/main" id="{F9F14D9B-1220-D1B3-C603-5F2E409BCB3B}"/>
+              </a:ext>
+            </a:extLst>
+          </p:cNvPr>
+          <p:cNvSpPr>
+            <a:spLocks noGrp="1"/>
+          </p:cNvSpPr>
+          <p:nvPr>
+            <p:ph type="title"/>
           </p:nvPr>
         </p:nvSpPr>
         <p:spPr/>
@@ -9826,30 +9826,47 @@
           <a:bodyPr/>
           <a:lstStyle/>
           <a:p>
-            <a:pPr marL="0" indent="0">
-              <a:buNone/>
-            </a:pPr>
+            <a:r>
+              <a:rPr lang="de-CH" dirty="0" err="1"/>
+              <a:t>Have</a:t>
+            </a:r>
             <a:r>
               <a:rPr lang="de-CH" dirty="0"/>
-              <a:t>[QR-Code zu Website]</a:t>
-            </a:r>
-          </a:p>
-        </p:txBody>
-      </p:sp>
-      <p:sp>
-        <p:nvSpPr>
-          <p:cNvPr id="3" name="Titel 2">
-            <a:extLst>
-              <a:ext uri="{FF2B5EF4-FFF2-40B4-BE49-F238E27FC236}">
-                <a16:creationId xmlns:a16="http://schemas.microsoft.com/office/drawing/2014/main" id="{F9F14D9B-1220-D1B3-C603-5F2E409BCB3B}"/>
-              </a:ext>
-            </a:extLst>
-          </p:cNvPr>
-          <p:cNvSpPr>
-            <a:spLocks noGrp="1"/>
-          </p:cNvSpPr>
-          <p:nvPr>
-            <p:ph type="title"/>
+              <a:t> </a:t>
+            </a:r>
+            <a:r>
+              <a:rPr lang="de-CH" dirty="0" err="1"/>
+              <a:t>fun</a:t>
+            </a:r>
+            <a:r>
+              <a:rPr lang="de-CH" dirty="0"/>
+              <a:t> </a:t>
+            </a:r>
+            <a:r>
+              <a:rPr lang="de-CH" dirty="0" err="1"/>
+              <a:t>exploring</a:t>
+            </a:r>
+            <a:r>
+              <a:rPr lang="de-CH" dirty="0"/>
+              <a:t>!</a:t>
+            </a:r>
+          </a:p>
+        </p:txBody>
+      </p:sp>
+      <p:sp>
+        <p:nvSpPr>
+          <p:cNvPr id="5" name="Datumsplatzhalter 4">
+            <a:extLst>
+              <a:ext uri="{FF2B5EF4-FFF2-40B4-BE49-F238E27FC236}">
+                <a16:creationId xmlns:a16="http://schemas.microsoft.com/office/drawing/2014/main" id="{6682A79A-BF13-A07E-96CE-CA9A0B1D080F}"/>
+              </a:ext>
+            </a:extLst>
+          </p:cNvPr>
+          <p:cNvSpPr>
+            <a:spLocks noGrp="1"/>
+          </p:cNvSpPr>
+          <p:nvPr>
+            <p:ph type="dt" sz="half" idx="10"/>
           </p:nvPr>
         </p:nvSpPr>
         <p:spPr/>
@@ -9857,82 +9874,9 @@
           <a:bodyPr/>
           <a:lstStyle/>
           <a:p>
-            <a:r>
-              <a:rPr lang="de-CH" dirty="0" err="1"/>
-              <a:t>Have</a:t>
-            </a:r>
-            <a:r>
-              <a:rPr lang="de-CH" dirty="0"/>
-              <a:t> </a:t>
-            </a:r>
-            <a:r>
-              <a:rPr lang="de-CH" dirty="0" err="1"/>
-              <a:t>fun</a:t>
-            </a:r>
-            <a:r>
-              <a:rPr lang="de-CH" dirty="0"/>
-              <a:t> </a:t>
-            </a:r>
-            <a:r>
-              <a:rPr lang="de-CH" dirty="0" err="1"/>
-              <a:t>exploring</a:t>
-            </a:r>
-            <a:r>
-              <a:rPr lang="de-CH" dirty="0"/>
-              <a:t>!</a:t>
-            </a:r>
-          </a:p>
-        </p:txBody>
-      </p:sp>
-      <p:sp>
-        <p:nvSpPr>
-          <p:cNvPr id="4" name="Inhaltsplatzhalter 3">
-            <a:extLst>
-              <a:ext uri="{FF2B5EF4-FFF2-40B4-BE49-F238E27FC236}">
-                <a16:creationId xmlns:a16="http://schemas.microsoft.com/office/drawing/2014/main" id="{3DDD00ED-661C-71D2-8591-D62104A9897B}"/>
-              </a:ext>
-            </a:extLst>
-          </p:cNvPr>
-          <p:cNvSpPr>
-            <a:spLocks noGrp="1"/>
-          </p:cNvSpPr>
-          <p:nvPr>
-            <p:ph idx="1"/>
-          </p:nvPr>
-        </p:nvSpPr>
-        <p:spPr/>
-        <p:txBody>
-          <a:bodyPr/>
-          <a:lstStyle/>
-          <a:p>
-            <a:endParaRPr lang="de-CH"/>
-          </a:p>
-        </p:txBody>
-      </p:sp>
-      <p:sp>
-        <p:nvSpPr>
-          <p:cNvPr id="5" name="Datumsplatzhalter 4">
-            <a:extLst>
-              <a:ext uri="{FF2B5EF4-FFF2-40B4-BE49-F238E27FC236}">
-                <a16:creationId xmlns:a16="http://schemas.microsoft.com/office/drawing/2014/main" id="{6682A79A-BF13-A07E-96CE-CA9A0B1D080F}"/>
-              </a:ext>
-            </a:extLst>
-          </p:cNvPr>
-          <p:cNvSpPr>
-            <a:spLocks noGrp="1"/>
-          </p:cNvSpPr>
-          <p:nvPr>
-            <p:ph type="dt" sz="half" idx="10"/>
-          </p:nvPr>
-        </p:nvSpPr>
-        <p:spPr/>
-        <p:txBody>
-          <a:bodyPr/>
-          <a:lstStyle/>
-          <a:p>
             <a:fld id="{84A17A78-631F-4798-873C-E3BC87E12C19}" type="datetime1">
               <a:rPr lang="de-CH" altLang="zh-CN" noProof="0" smtClean="0"/>
-              <a:t>14.12.2023</a:t>
+              <a:t>14.12.23</a:t>
             </a:fld>
             <a:endParaRPr lang="de-CH" noProof="0"/>
           </a:p>
@@ -9996,31 +9940,45 @@
           </a:p>
         </p:txBody>
       </p:sp>
-      <p:sp>
-        <p:nvSpPr>
-          <p:cNvPr id="8" name="Bildplatzhalter 7">
-            <a:extLst>
-              <a:ext uri="{FF2B5EF4-FFF2-40B4-BE49-F238E27FC236}">
-                <a16:creationId xmlns:a16="http://schemas.microsoft.com/office/drawing/2014/main" id="{72DF898E-9813-FD0C-B055-112BCE44AEB5}"/>
-              </a:ext>
-            </a:extLst>
-          </p:cNvPr>
-          <p:cNvSpPr>
-            <a:spLocks noGrp="1"/>
-          </p:cNvSpPr>
-          <p:nvPr>
-            <p:ph type="pic" sz="quarter" idx="15"/>
-          </p:nvPr>
-        </p:nvSpPr>
-        <p:spPr/>
-        <p:txBody>
-          <a:bodyPr/>
-          <a:lstStyle/>
-          <a:p>
-            <a:endParaRPr lang="de-CH"/>
-          </a:p>
-        </p:txBody>
-      </p:sp>
+      <p:pic>
+        <p:nvPicPr>
+          <p:cNvPr id="16" name="Grafik 15">
+            <a:extLst>
+              <a:ext uri="{FF2B5EF4-FFF2-40B4-BE49-F238E27FC236}">
+                <a16:creationId xmlns:a16="http://schemas.microsoft.com/office/drawing/2014/main" id="{EA84AC63-FEED-5CDC-13AB-E7A00E466998}"/>
+              </a:ext>
+            </a:extLst>
+          </p:cNvPr>
+          <p:cNvPicPr>
+            <a:picLocks noChangeAspect="1"/>
+          </p:cNvPicPr>
+          <p:nvPr/>
+        </p:nvPicPr>
+        <p:blipFill>
+          <a:blip r:embed="rId2">
+            <a:extLst>
+              <a:ext uri="{28A0092B-C50C-407E-A947-70E740481C1C}">
+                <a14:useLocalDpi xmlns:a14="http://schemas.microsoft.com/office/drawing/2010/main" val="0"/>
+              </a:ext>
+              <a:ext uri="{96DAC541-7B7A-43D3-8B79-37D633B846F1}">
+                <asvg:svgBlip xmlns:asvg="http://schemas.microsoft.com/office/drawing/2016/SVG/main" r:embed="rId3"/>
+              </a:ext>
+            </a:extLst>
+          </a:blip>
+          <a:stretch>
+            <a:fillRect/>
+          </a:stretch>
+        </p:blipFill>
+        <p:spPr>
+          <a:xfrm>
+            <a:off x="3502589" y="835590"/>
+            <a:ext cx="5186819" cy="5186819"/>
+          </a:xfrm>
+          <a:prstGeom prst="rect">
+            <a:avLst/>
+          </a:prstGeom>
+        </p:spPr>
+      </p:pic>
     </p:spTree>
     <p:extLst>
       <p:ext uri="{BB962C8B-B14F-4D97-AF65-F5344CB8AC3E}">
